--- a/The Ultimate Blinkin Light.pptx
+++ b/The Ultimate Blinkin Light.pptx
@@ -5,7 +5,7 @@
     <p:sldMasterId id="2147483678" r:id="rId1"/>
   </p:sldMasterIdLst>
   <p:notesMasterIdLst>
-    <p:notesMasterId r:id="rId36"/>
+    <p:notesMasterId r:id="rId37"/>
   </p:notesMasterIdLst>
   <p:sldIdLst>
     <p:sldId id="256" r:id="rId2"/>
@@ -42,6 +42,7 @@
     <p:sldId id="296" r:id="rId33"/>
     <p:sldId id="298" r:id="rId34"/>
     <p:sldId id="297" r:id="rId35"/>
+    <p:sldId id="299" r:id="rId36"/>
   </p:sldIdLst>
   <p:sldSz cx="12192000" cy="6858000"/>
   <p:notesSz cx="6858000" cy="9144000"/>
@@ -35622,12 +35623,12 @@
           <a:p>
             <a:pPr lvl="1"/>
             <a:r>
-              <a:rPr lang="en-US">
+              <a:rPr lang="en-US" dirty="0">
                 <a:hlinkClick r:id="rId5"/>
               </a:rPr>
               <a:t>www.nodered.org</a:t>
             </a:r>
-            <a:endParaRPr lang="en-US"/>
+            <a:endParaRPr lang="en-US" dirty="0"/>
           </a:p>
         </p:txBody>
       </p:sp>
@@ -35640,6 +35641,2234 @@
   </p:cSld>
   <p:clrMapOvr>
     <a:masterClrMapping/>
+  </p:clrMapOvr>
+</p:sld>
+</file>
+
+<file path=ppt/slides/slide35.xml><?xml version="1.0" encoding="utf-8"?>
+<p:sld xmlns:a="http://schemas.openxmlformats.org/drawingml/2006/main" xmlns:r="http://schemas.openxmlformats.org/officeDocument/2006/relationships" xmlns:p="http://schemas.openxmlformats.org/presentationml/2006/main">
+  <p:cSld>
+    <p:bg>
+      <p:bgPr>
+        <a:gradFill rotWithShape="1">
+          <a:gsLst>
+            <a:gs pos="0">
+              <a:schemeClr val="bg1">
+                <a:tint val="98000"/>
+                <a:hueMod val="94000"/>
+                <a:satMod val="148000"/>
+                <a:lumMod val="150000"/>
+              </a:schemeClr>
+            </a:gs>
+            <a:gs pos="100000">
+              <a:schemeClr val="bg1">
+                <a:shade val="92000"/>
+                <a:hueMod val="104000"/>
+                <a:satMod val="140000"/>
+                <a:lumMod val="68000"/>
+              </a:schemeClr>
+            </a:gs>
+          </a:gsLst>
+          <a:lin ang="5040000" scaled="0"/>
+        </a:gradFill>
+        <a:effectLst/>
+      </p:bgPr>
+    </p:bg>
+    <p:spTree>
+      <p:nvGrpSpPr>
+        <p:cNvPr id="1" name=""/>
+        <p:cNvGrpSpPr/>
+        <p:nvPr/>
+      </p:nvGrpSpPr>
+      <p:grpSpPr>
+        <a:xfrm>
+          <a:off x="0" y="0"/>
+          <a:ext cx="0" cy="0"/>
+          <a:chOff x="0" y="0"/>
+          <a:chExt cx="0" cy="0"/>
+        </a:xfrm>
+      </p:grpSpPr>
+      <p:grpSp>
+        <p:nvGrpSpPr>
+          <p:cNvPr id="10" name="Group 9">
+            <a:extLst>
+              <a:ext uri="{FF2B5EF4-FFF2-40B4-BE49-F238E27FC236}">
+                <a16:creationId xmlns:a16="http://schemas.microsoft.com/office/drawing/2014/main" id="{9BE10567-6165-46A7-867D-4690A16B46D6}"/>
+              </a:ext>
+              <a:ext uri="{C183D7F6-B498-43B3-948B-1728B52AA6E4}">
+                <adec:decorative xmlns:adec="http://schemas.microsoft.com/office/drawing/2017/decorative" val="1"/>
+              </a:ext>
+            </a:extLst>
+          </p:cNvPr>
+          <p:cNvGrpSpPr>
+            <a:grpSpLocks noGrp="1" noUngrp="1" noRot="1" noChangeAspect="1" noMove="1" noResize="1"/>
+          </p:cNvGrpSpPr>
+          <p:nvPr>
+            <p:extLst>
+              <p:ext uri="{386F3935-93C4-4BCD-93E2-E3B085C9AB24}">
+                <p16:designElem xmlns:p16="http://schemas.microsoft.com/office/powerpoint/2015/main" val="1"/>
+              </p:ext>
+            </p:extLst>
+          </p:nvPr>
+        </p:nvGrpSpPr>
+        <p:grpSpPr>
+          <a:xfrm>
+            <a:off x="0" y="-1"/>
+            <a:ext cx="12192003" cy="6858001"/>
+            <a:chOff x="0" y="-1"/>
+            <a:chExt cx="12192003" cy="6858001"/>
+          </a:xfrm>
+        </p:grpSpPr>
+        <p:sp useBgFill="1">
+          <p:nvSpPr>
+            <p:cNvPr id="11" name="Rectangle 10">
+              <a:extLst>
+                <a:ext uri="{FF2B5EF4-FFF2-40B4-BE49-F238E27FC236}">
+                  <a16:creationId xmlns:a16="http://schemas.microsoft.com/office/drawing/2014/main" id="{0F4DB1F4-429C-4C85-85D7-C4D81996D338}"/>
+                </a:ext>
+                <a:ext uri="{C183D7F6-B498-43B3-948B-1728B52AA6E4}">
+                  <adec:decorative xmlns:adec="http://schemas.microsoft.com/office/drawing/2017/decorative" val="1"/>
+                </a:ext>
+              </a:extLst>
+            </p:cNvPr>
+            <p:cNvSpPr/>
+            <p:nvPr>
+              <p:extLst>
+                <p:ext uri="{386F3935-93C4-4BCD-93E2-E3B085C9AB24}">
+                  <p16:designElem xmlns:p16="http://schemas.microsoft.com/office/powerpoint/2015/main" val="1"/>
+                </p:ext>
+              </p:extLst>
+            </p:nvPr>
+          </p:nvSpPr>
+          <p:spPr>
+            <a:xfrm>
+              <a:off x="1" y="-1"/>
+              <a:ext cx="12192000" cy="6858000"/>
+            </a:xfrm>
+            <a:prstGeom prst="rect">
+              <a:avLst/>
+            </a:prstGeom>
+            <a:ln>
+              <a:noFill/>
+            </a:ln>
+          </p:spPr>
+          <p:style>
+            <a:lnRef idx="2">
+              <a:schemeClr val="accent1">
+                <a:shade val="50000"/>
+              </a:schemeClr>
+            </a:lnRef>
+            <a:fillRef idx="1">
+              <a:schemeClr val="accent1"/>
+            </a:fillRef>
+            <a:effectRef idx="0">
+              <a:schemeClr val="accent1"/>
+            </a:effectRef>
+            <a:fontRef idx="minor">
+              <a:schemeClr val="lt1"/>
+            </a:fontRef>
+          </p:style>
+          <p:txBody>
+            <a:bodyPr rtlCol="0" anchor="ctr"/>
+            <a:lstStyle/>
+            <a:p>
+              <a:pPr algn="ctr"/>
+              <a:endParaRPr lang="en-US"/>
+            </a:p>
+          </p:txBody>
+        </p:sp>
+        <p:pic>
+          <p:nvPicPr>
+            <p:cNvPr id="12" name="Picture 2">
+              <a:extLst>
+                <a:ext uri="{FF2B5EF4-FFF2-40B4-BE49-F238E27FC236}">
+                  <a16:creationId xmlns:a16="http://schemas.microsoft.com/office/drawing/2014/main" id="{159C0DA6-71D9-4C96-A774-7FADF5E0A4C4}"/>
+                </a:ext>
+                <a:ext uri="{C183D7F6-B498-43B3-948B-1728B52AA6E4}">
+                  <adec:decorative xmlns:adec="http://schemas.microsoft.com/office/drawing/2017/decorative" val="1"/>
+                </a:ext>
+              </a:extLst>
+            </p:cNvPr>
+            <p:cNvPicPr>
+              <a:picLocks noChangeAspect="1" noChangeArrowheads="1"/>
+            </p:cNvPicPr>
+            <p:nvPr>
+              <p:extLst>
+                <p:ext uri="{386F3935-93C4-4BCD-93E2-E3B085C9AB24}">
+                  <p16:designElem xmlns:p16="http://schemas.microsoft.com/office/powerpoint/2015/main" val="1"/>
+                </p:ext>
+              </p:extLst>
+            </p:nvPr>
+          </p:nvPicPr>
+          <p:blipFill>
+            <a:blip r:embed="rId2">
+              <a:alphaModFix amt="30000"/>
+              <a:duotone>
+                <a:prstClr val="black"/>
+                <a:schemeClr val="tx2">
+                  <a:tint val="45000"/>
+                  <a:satMod val="400000"/>
+                </a:schemeClr>
+              </a:duotone>
+              <a:extLst>
+                <a:ext uri="{28A0092B-C50C-407E-A947-70E740481C1C}">
+                  <a14:useLocalDpi xmlns:a14="http://schemas.microsoft.com/office/drawing/2010/main" val="0"/>
+                </a:ext>
+              </a:extLst>
+            </a:blip>
+            <a:srcRect/>
+            <a:stretch>
+              <a:fillRect/>
+            </a:stretch>
+          </p:blipFill>
+          <p:spPr bwMode="auto">
+            <a:xfrm>
+              <a:off x="0" y="-1"/>
+              <a:ext cx="12192003" cy="6858001"/>
+            </a:xfrm>
+            <a:prstGeom prst="rect">
+              <a:avLst/>
+            </a:prstGeom>
+            <a:noFill/>
+            <a:extLst>
+              <a:ext uri="{909E8E84-426E-40dd-AFC4-6F175D3DCCD1}">
+                <a14:hiddenFill xmlns="" xmlns:a16="http://schemas.microsoft.com/office/drawing/2014/main" xmlns:p14="http://schemas.microsoft.com/office/powerpoint/2010/main" xmlns:a14="http://schemas.microsoft.com/office/drawing/2010/main">
+                  <a:solidFill>
+                    <a:srgbClr val="FFFFFF"/>
+                  </a:solidFill>
+                </a14:hiddenFill>
+              </a:ext>
+            </a:extLst>
+          </p:spPr>
+        </p:pic>
+      </p:grpSp>
+      <p:sp>
+        <p:nvSpPr>
+          <p:cNvPr id="14" name="Round Diagonal Corner Rectangle 7">
+            <a:extLst>
+              <a:ext uri="{FF2B5EF4-FFF2-40B4-BE49-F238E27FC236}">
+                <a16:creationId xmlns:a16="http://schemas.microsoft.com/office/drawing/2014/main" id="{4B24F6DB-F114-44A7-BB56-D401884E4E7F}"/>
+              </a:ext>
+              <a:ext uri="{C183D7F6-B498-43B3-948B-1728B52AA6E4}">
+                <adec:decorative xmlns:adec="http://schemas.microsoft.com/office/drawing/2017/decorative" val="1"/>
+              </a:ext>
+            </a:extLst>
+          </p:cNvPr>
+          <p:cNvSpPr>
+            <a:spLocks noGrp="1" noRot="1" noChangeAspect="1" noMove="1" noResize="1" noEditPoints="1" noAdjustHandles="1" noChangeArrowheads="1" noChangeShapeType="1" noTextEdit="1"/>
+          </p:cNvSpPr>
+          <p:nvPr>
+            <p:extLst>
+              <p:ext uri="{386F3935-93C4-4BCD-93E2-E3B085C9AB24}">
+                <p16:designElem xmlns:p16="http://schemas.microsoft.com/office/powerpoint/2015/main" val="1"/>
+              </p:ext>
+            </p:extLst>
+          </p:nvPr>
+        </p:nvSpPr>
+        <p:spPr>
+          <a:xfrm>
+            <a:off x="2582333" y="2235200"/>
+            <a:ext cx="7027334" cy="2396067"/>
+          </a:xfrm>
+          <a:prstGeom prst="round2DiagRect">
+            <a:avLst>
+              <a:gd name="adj1" fmla="val 9246"/>
+              <a:gd name="adj2" fmla="val 0"/>
+            </a:avLst>
+          </a:prstGeom>
+          <a:solidFill>
+            <a:srgbClr val="000000">
+              <a:alpha val="80000"/>
+            </a:srgbClr>
+          </a:solidFill>
+          <a:ln w="19050" cap="sq">
+            <a:solidFill>
+              <a:schemeClr val="tx2">
+                <a:alpha val="60000"/>
+              </a:schemeClr>
+            </a:solidFill>
+            <a:miter lim="800000"/>
+          </a:ln>
+          <a:effectLst>
+            <a:outerShdw blurRad="88900" dist="38100" dir="5400000" algn="t" rotWithShape="0">
+              <a:prstClr val="black">
+                <a:alpha val="40000"/>
+              </a:prstClr>
+            </a:outerShdw>
+          </a:effectLst>
+        </p:spPr>
+        <p:style>
+          <a:lnRef idx="1">
+            <a:schemeClr val="accent1"/>
+          </a:lnRef>
+          <a:fillRef idx="3">
+            <a:schemeClr val="accent1"/>
+          </a:fillRef>
+          <a:effectRef idx="2">
+            <a:schemeClr val="accent1"/>
+          </a:effectRef>
+          <a:fontRef idx="minor">
+            <a:schemeClr val="lt1"/>
+          </a:fontRef>
+        </p:style>
+        <p:txBody>
+          <a:bodyPr rtlCol="0" anchor="ctr"/>
+          <a:lstStyle/>
+          <a:p>
+            <a:pPr algn="ctr"/>
+            <a:endParaRPr lang="en-US"/>
+          </a:p>
+        </p:txBody>
+      </p:sp>
+      <p:grpSp>
+        <p:nvGrpSpPr>
+          <p:cNvPr id="16" name="Group 15">
+            <a:extLst>
+              <a:ext uri="{FF2B5EF4-FFF2-40B4-BE49-F238E27FC236}">
+                <a16:creationId xmlns:a16="http://schemas.microsoft.com/office/drawing/2014/main" id="{4DB50ECD-225E-4F81-AF7B-706DD05F3BA8}"/>
+              </a:ext>
+              <a:ext uri="{C183D7F6-B498-43B3-948B-1728B52AA6E4}">
+                <adec:decorative xmlns:adec="http://schemas.microsoft.com/office/drawing/2017/decorative" val="1"/>
+              </a:ext>
+            </a:extLst>
+          </p:cNvPr>
+          <p:cNvGrpSpPr>
+            <a:grpSpLocks noGrp="1" noUngrp="1" noRot="1" noChangeAspect="1" noMove="1" noResize="1"/>
+          </p:cNvGrpSpPr>
+          <p:nvPr>
+            <p:extLst>
+              <p:ext uri="{386F3935-93C4-4BCD-93E2-E3B085C9AB24}">
+                <p16:designElem xmlns:p16="http://schemas.microsoft.com/office/powerpoint/2015/main" val="1"/>
+              </p:ext>
+            </p:extLst>
+          </p:nvPr>
+        </p:nvGrpSpPr>
+        <p:grpSpPr>
+          <a:xfrm>
+            <a:off x="605895" y="2900097"/>
+            <a:ext cx="10982062" cy="1211524"/>
+            <a:chOff x="605895" y="2900097"/>
+            <a:chExt cx="10982062" cy="1211524"/>
+          </a:xfrm>
+          <a:effectLst/>
+        </p:grpSpPr>
+        <p:sp>
+          <p:nvSpPr>
+            <p:cNvPr id="17" name="Freeform 32">
+              <a:extLst>
+                <a:ext uri="{FF2B5EF4-FFF2-40B4-BE49-F238E27FC236}">
+                  <a16:creationId xmlns:a16="http://schemas.microsoft.com/office/drawing/2014/main" id="{CBC3B006-1357-4969-BC3D-CDD91E492B4F}"/>
+                </a:ext>
+                <a:ext uri="{C183D7F6-B498-43B3-948B-1728B52AA6E4}">
+                  <adec:decorative xmlns:adec="http://schemas.microsoft.com/office/drawing/2017/decorative" val="1"/>
+                </a:ext>
+              </a:extLst>
+            </p:cNvPr>
+            <p:cNvSpPr/>
+            <p:nvPr>
+              <p:extLst>
+                <p:ext uri="{386F3935-93C4-4BCD-93E2-E3B085C9AB24}">
+                  <p16:designElem xmlns:p16="http://schemas.microsoft.com/office/powerpoint/2015/main" val="1"/>
+                </p:ext>
+              </p:extLst>
+            </p:nvPr>
+          </p:nvSpPr>
+          <p:spPr bwMode="auto">
+            <a:xfrm rot="5400000" flipV="1">
+              <a:off x="9653587" y="3379784"/>
+              <a:ext cx="417513" cy="512763"/>
+            </a:xfrm>
+            <a:custGeom>
+              <a:avLst/>
+              <a:gdLst/>
+              <a:ahLst/>
+              <a:cxnLst/>
+              <a:rect l="0" t="0" r="r" b="b"/>
+              <a:pathLst>
+                <a:path w="263" h="323">
+                  <a:moveTo>
+                    <a:pt x="12" y="323"/>
+                  </a:moveTo>
+                  <a:lnTo>
+                    <a:pt x="0" y="314"/>
+                  </a:lnTo>
+                  <a:lnTo>
+                    <a:pt x="203" y="108"/>
+                  </a:lnTo>
+                  <a:lnTo>
+                    <a:pt x="248" y="0"/>
+                  </a:lnTo>
+                  <a:lnTo>
+                    <a:pt x="263" y="6"/>
+                  </a:lnTo>
+                  <a:lnTo>
+                    <a:pt x="218" y="117"/>
+                  </a:lnTo>
+                  <a:lnTo>
+                    <a:pt x="218" y="117"/>
+                  </a:lnTo>
+                  <a:lnTo>
+                    <a:pt x="12" y="323"/>
+                  </a:lnTo>
+                  <a:close/>
+                </a:path>
+              </a:pathLst>
+            </a:custGeom>
+            <a:solidFill>
+              <a:schemeClr val="tx2">
+                <a:alpha val="60000"/>
+              </a:schemeClr>
+            </a:solidFill>
+            <a:ln>
+              <a:noFill/>
+            </a:ln>
+            <a:effectLst>
+              <a:outerShdw blurRad="50800" dist="38100" dir="2700000" algn="tl" rotWithShape="0">
+                <a:srgbClr val="000000">
+                  <a:alpha val="58000"/>
+                </a:srgbClr>
+              </a:outerShdw>
+            </a:effectLst>
+          </p:spPr>
+        </p:sp>
+        <p:sp>
+          <p:nvSpPr>
+            <p:cNvPr id="18" name="Freeform 33">
+              <a:extLst>
+                <a:ext uri="{FF2B5EF4-FFF2-40B4-BE49-F238E27FC236}">
+                  <a16:creationId xmlns:a16="http://schemas.microsoft.com/office/drawing/2014/main" id="{0D6E4F1D-B331-41B5-90EF-2236C1EE155D}"/>
+                </a:ext>
+                <a:ext uri="{C183D7F6-B498-43B3-948B-1728B52AA6E4}">
+                  <adec:decorative xmlns:adec="http://schemas.microsoft.com/office/drawing/2017/decorative" val="1"/>
+                </a:ext>
+              </a:extLst>
+            </p:cNvPr>
+            <p:cNvSpPr>
+              <a:spLocks noEditPoints="1"/>
+            </p:cNvSpPr>
+            <p:nvPr>
+              <p:extLst>
+                <p:ext uri="{386F3935-93C4-4BCD-93E2-E3B085C9AB24}">
+                  <p16:designElem xmlns:p16="http://schemas.microsoft.com/office/powerpoint/2015/main" val="1"/>
+                </p:ext>
+              </p:extLst>
+            </p:nvPr>
+          </p:nvSpPr>
+          <p:spPr bwMode="auto">
+            <a:xfrm rot="5400000" flipV="1">
+              <a:off x="10078244" y="3310728"/>
+              <a:ext cx="157163" cy="152400"/>
+            </a:xfrm>
+            <a:custGeom>
+              <a:avLst/>
+              <a:gdLst/>
+              <a:ahLst/>
+              <a:cxnLst/>
+              <a:rect l="0" t="0" r="r" b="b"/>
+              <a:pathLst>
+                <a:path w="33" h="32">
+                  <a:moveTo>
+                    <a:pt x="17" y="32"/>
+                  </a:moveTo>
+                  <a:cubicBezTo>
+                    <a:pt x="13" y="32"/>
+                    <a:pt x="9" y="30"/>
+                    <a:pt x="6" y="27"/>
+                  </a:cubicBezTo>
+                  <a:cubicBezTo>
+                    <a:pt x="0" y="21"/>
+                    <a:pt x="0" y="11"/>
+                    <a:pt x="6" y="5"/>
+                  </a:cubicBezTo>
+                  <a:cubicBezTo>
+                    <a:pt x="9" y="2"/>
+                    <a:pt x="13" y="0"/>
+                    <a:pt x="17" y="0"/>
+                  </a:cubicBezTo>
+                  <a:cubicBezTo>
+                    <a:pt x="21" y="0"/>
+                    <a:pt x="25" y="2"/>
+                    <a:pt x="28" y="5"/>
+                  </a:cubicBezTo>
+                  <a:cubicBezTo>
+                    <a:pt x="31" y="8"/>
+                    <a:pt x="33" y="12"/>
+                    <a:pt x="33" y="16"/>
+                  </a:cubicBezTo>
+                  <a:cubicBezTo>
+                    <a:pt x="33" y="20"/>
+                    <a:pt x="31" y="24"/>
+                    <a:pt x="28" y="27"/>
+                  </a:cubicBezTo>
+                  <a:cubicBezTo>
+                    <a:pt x="25" y="30"/>
+                    <a:pt x="21" y="32"/>
+                    <a:pt x="17" y="32"/>
+                  </a:cubicBezTo>
+                  <a:close/>
+                  <a:moveTo>
+                    <a:pt x="17" y="4"/>
+                  </a:moveTo>
+                  <a:cubicBezTo>
+                    <a:pt x="14" y="4"/>
+                    <a:pt x="11" y="6"/>
+                    <a:pt x="9" y="8"/>
+                  </a:cubicBezTo>
+                  <a:cubicBezTo>
+                    <a:pt x="4" y="12"/>
+                    <a:pt x="4" y="20"/>
+                    <a:pt x="9" y="24"/>
+                  </a:cubicBezTo>
+                  <a:cubicBezTo>
+                    <a:pt x="11" y="27"/>
+                    <a:pt x="14" y="28"/>
+                    <a:pt x="17" y="28"/>
+                  </a:cubicBezTo>
+                  <a:cubicBezTo>
+                    <a:pt x="20" y="28"/>
+                    <a:pt x="23" y="27"/>
+                    <a:pt x="26" y="24"/>
+                  </a:cubicBezTo>
+                  <a:cubicBezTo>
+                    <a:pt x="30" y="20"/>
+                    <a:pt x="30" y="12"/>
+                    <a:pt x="26" y="8"/>
+                  </a:cubicBezTo>
+                  <a:cubicBezTo>
+                    <a:pt x="23" y="6"/>
+                    <a:pt x="20" y="4"/>
+                    <a:pt x="17" y="4"/>
+                  </a:cubicBezTo>
+                  <a:close/>
+                </a:path>
+              </a:pathLst>
+            </a:custGeom>
+            <a:solidFill>
+              <a:schemeClr val="tx2">
+                <a:alpha val="60000"/>
+              </a:schemeClr>
+            </a:solidFill>
+            <a:ln>
+              <a:noFill/>
+            </a:ln>
+            <a:effectLst>
+              <a:outerShdw blurRad="50800" dist="38100" dir="2700000" algn="tl" rotWithShape="0">
+                <a:srgbClr val="000000">
+                  <a:alpha val="58000"/>
+                </a:srgbClr>
+              </a:outerShdw>
+            </a:effectLst>
+          </p:spPr>
+        </p:sp>
+        <p:sp>
+          <p:nvSpPr>
+            <p:cNvPr id="19" name="Freeform 34">
+              <a:extLst>
+                <a:ext uri="{FF2B5EF4-FFF2-40B4-BE49-F238E27FC236}">
+                  <a16:creationId xmlns:a16="http://schemas.microsoft.com/office/drawing/2014/main" id="{54A60014-21DF-44E5-9137-43357188501C}"/>
+                </a:ext>
+                <a:ext uri="{C183D7F6-B498-43B3-948B-1728B52AA6E4}">
+                  <adec:decorative xmlns:adec="http://schemas.microsoft.com/office/drawing/2017/decorative" val="1"/>
+                </a:ext>
+              </a:extLst>
+            </p:cNvPr>
+            <p:cNvSpPr>
+              <a:spLocks noEditPoints="1"/>
+            </p:cNvSpPr>
+            <p:nvPr>
+              <p:extLst>
+                <p:ext uri="{386F3935-93C4-4BCD-93E2-E3B085C9AB24}">
+                  <p16:designElem xmlns:p16="http://schemas.microsoft.com/office/powerpoint/2015/main" val="1"/>
+                </p:ext>
+              </p:extLst>
+            </p:nvPr>
+          </p:nvSpPr>
+          <p:spPr bwMode="auto">
+            <a:xfrm rot="5400000" flipV="1">
+              <a:off x="11146631" y="3574253"/>
+              <a:ext cx="188913" cy="190500"/>
+            </a:xfrm>
+            <a:custGeom>
+              <a:avLst/>
+              <a:gdLst/>
+              <a:ahLst/>
+              <a:cxnLst/>
+              <a:rect l="0" t="0" r="r" b="b"/>
+              <a:pathLst>
+                <a:path w="40" h="40">
+                  <a:moveTo>
+                    <a:pt x="20" y="40"/>
+                  </a:moveTo>
+                  <a:cubicBezTo>
+                    <a:pt x="9" y="40"/>
+                    <a:pt x="0" y="31"/>
+                    <a:pt x="0" y="20"/>
+                  </a:cubicBezTo>
+                  <a:cubicBezTo>
+                    <a:pt x="0" y="9"/>
+                    <a:pt x="9" y="0"/>
+                    <a:pt x="20" y="0"/>
+                  </a:cubicBezTo>
+                  <a:cubicBezTo>
+                    <a:pt x="31" y="0"/>
+                    <a:pt x="40" y="9"/>
+                    <a:pt x="40" y="20"/>
+                  </a:cubicBezTo>
+                  <a:cubicBezTo>
+                    <a:pt x="40" y="31"/>
+                    <a:pt x="31" y="40"/>
+                    <a:pt x="20" y="40"/>
+                  </a:cubicBezTo>
+                  <a:close/>
+                  <a:moveTo>
+                    <a:pt x="20" y="4"/>
+                  </a:moveTo>
+                  <a:cubicBezTo>
+                    <a:pt x="11" y="4"/>
+                    <a:pt x="4" y="11"/>
+                    <a:pt x="4" y="20"/>
+                  </a:cubicBezTo>
+                  <a:cubicBezTo>
+                    <a:pt x="4" y="29"/>
+                    <a:pt x="11" y="36"/>
+                    <a:pt x="20" y="36"/>
+                  </a:cubicBezTo>
+                  <a:cubicBezTo>
+                    <a:pt x="29" y="36"/>
+                    <a:pt x="36" y="29"/>
+                    <a:pt x="36" y="20"/>
+                  </a:cubicBezTo>
+                  <a:cubicBezTo>
+                    <a:pt x="36" y="11"/>
+                    <a:pt x="29" y="4"/>
+                    <a:pt x="20" y="4"/>
+                  </a:cubicBezTo>
+                  <a:close/>
+                </a:path>
+              </a:pathLst>
+            </a:custGeom>
+            <a:solidFill>
+              <a:schemeClr val="tx2">
+                <a:alpha val="60000"/>
+              </a:schemeClr>
+            </a:solidFill>
+            <a:ln>
+              <a:noFill/>
+            </a:ln>
+            <a:effectLst>
+              <a:outerShdw blurRad="50800" dist="38100" dir="2700000" algn="tl" rotWithShape="0">
+                <a:srgbClr val="000000">
+                  <a:alpha val="58000"/>
+                </a:srgbClr>
+              </a:outerShdw>
+            </a:effectLst>
+          </p:spPr>
+        </p:sp>
+        <p:sp>
+          <p:nvSpPr>
+            <p:cNvPr id="20" name="Freeform 37">
+              <a:extLst>
+                <a:ext uri="{FF2B5EF4-FFF2-40B4-BE49-F238E27FC236}">
+                  <a16:creationId xmlns:a16="http://schemas.microsoft.com/office/drawing/2014/main" id="{40B768C0-B003-45F4-9A06-EA3509A90BD9}"/>
+                </a:ext>
+                <a:ext uri="{C183D7F6-B498-43B3-948B-1728B52AA6E4}">
+                  <adec:decorative xmlns:adec="http://schemas.microsoft.com/office/drawing/2017/decorative" val="1"/>
+                </a:ext>
+              </a:extLst>
+            </p:cNvPr>
+            <p:cNvSpPr/>
+            <p:nvPr>
+              <p:extLst>
+                <p:ext uri="{386F3935-93C4-4BCD-93E2-E3B085C9AB24}">
+                  <p16:designElem xmlns:p16="http://schemas.microsoft.com/office/powerpoint/2015/main" val="1"/>
+                </p:ext>
+              </p:extLst>
+            </p:nvPr>
+          </p:nvSpPr>
+          <p:spPr bwMode="auto">
+            <a:xfrm rot="5400000" flipV="1">
+              <a:off x="10230644" y="3034502"/>
+              <a:ext cx="304800" cy="1544638"/>
+            </a:xfrm>
+            <a:custGeom>
+              <a:avLst/>
+              <a:gdLst/>
+              <a:ahLst/>
+              <a:cxnLst/>
+              <a:rect l="0" t="0" r="r" b="b"/>
+              <a:pathLst>
+                <a:path w="192" h="973">
+                  <a:moveTo>
+                    <a:pt x="15" y="973"/>
+                  </a:moveTo>
+                  <a:lnTo>
+                    <a:pt x="0" y="973"/>
+                  </a:lnTo>
+                  <a:lnTo>
+                    <a:pt x="0" y="790"/>
+                  </a:lnTo>
+                  <a:lnTo>
+                    <a:pt x="174" y="614"/>
+                  </a:lnTo>
+                  <a:lnTo>
+                    <a:pt x="174" y="0"/>
+                  </a:lnTo>
+                  <a:lnTo>
+                    <a:pt x="192" y="0"/>
+                  </a:lnTo>
+                  <a:lnTo>
+                    <a:pt x="192" y="620"/>
+                  </a:lnTo>
+                  <a:lnTo>
+                    <a:pt x="15" y="796"/>
+                  </a:lnTo>
+                  <a:lnTo>
+                    <a:pt x="15" y="973"/>
+                  </a:lnTo>
+                  <a:close/>
+                </a:path>
+              </a:pathLst>
+            </a:custGeom>
+            <a:solidFill>
+              <a:schemeClr val="tx2">
+                <a:alpha val="60000"/>
+              </a:schemeClr>
+            </a:solidFill>
+            <a:ln>
+              <a:noFill/>
+            </a:ln>
+            <a:effectLst>
+              <a:outerShdw blurRad="50800" dist="38100" dir="2700000" algn="tl" rotWithShape="0">
+                <a:srgbClr val="000000">
+                  <a:alpha val="58000"/>
+                </a:srgbClr>
+              </a:outerShdw>
+            </a:effectLst>
+          </p:spPr>
+        </p:sp>
+        <p:sp>
+          <p:nvSpPr>
+            <p:cNvPr id="21" name="Freeform 35">
+              <a:extLst>
+                <a:ext uri="{FF2B5EF4-FFF2-40B4-BE49-F238E27FC236}">
+                  <a16:creationId xmlns:a16="http://schemas.microsoft.com/office/drawing/2014/main" id="{5E479182-2054-4AD9-823D-81CFAD7F2C78}"/>
+                </a:ext>
+                <a:ext uri="{C183D7F6-B498-43B3-948B-1728B52AA6E4}">
+                  <adec:decorative xmlns:adec="http://schemas.microsoft.com/office/drawing/2017/decorative" val="1"/>
+                </a:ext>
+              </a:extLst>
+            </p:cNvPr>
+            <p:cNvSpPr/>
+            <p:nvPr>
+              <p:extLst>
+                <p:ext uri="{386F3935-93C4-4BCD-93E2-E3B085C9AB24}">
+                  <p16:designElem xmlns:p16="http://schemas.microsoft.com/office/powerpoint/2015/main" val="1"/>
+                </p:ext>
+              </p:extLst>
+            </p:nvPr>
+          </p:nvSpPr>
+          <p:spPr bwMode="auto">
+            <a:xfrm rot="5400000">
+              <a:off x="10034587" y="2562753"/>
+              <a:ext cx="298450" cy="1154113"/>
+            </a:xfrm>
+            <a:custGeom>
+              <a:avLst/>
+              <a:gdLst/>
+              <a:ahLst/>
+              <a:cxnLst/>
+              <a:rect l="0" t="0" r="r" b="b"/>
+              <a:pathLst>
+                <a:path w="188" h="727">
+                  <a:moveTo>
+                    <a:pt x="15" y="727"/>
+                  </a:moveTo>
+                  <a:lnTo>
+                    <a:pt x="0" y="727"/>
+                  </a:lnTo>
+                  <a:lnTo>
+                    <a:pt x="0" y="407"/>
+                  </a:lnTo>
+                  <a:lnTo>
+                    <a:pt x="0" y="407"/>
+                  </a:lnTo>
+                  <a:lnTo>
+                    <a:pt x="176" y="0"/>
+                  </a:lnTo>
+                  <a:lnTo>
+                    <a:pt x="188" y="6"/>
+                  </a:lnTo>
+                  <a:lnTo>
+                    <a:pt x="15" y="410"/>
+                  </a:lnTo>
+                  <a:lnTo>
+                    <a:pt x="15" y="727"/>
+                  </a:lnTo>
+                  <a:close/>
+                </a:path>
+              </a:pathLst>
+            </a:custGeom>
+            <a:solidFill>
+              <a:schemeClr val="tx2">
+                <a:alpha val="60000"/>
+              </a:schemeClr>
+            </a:solidFill>
+            <a:ln>
+              <a:noFill/>
+            </a:ln>
+            <a:effectLst>
+              <a:outerShdw blurRad="50800" dist="38100" dir="2700000" algn="tl" rotWithShape="0">
+                <a:srgbClr val="000000">
+                  <a:alpha val="58000"/>
+                </a:srgbClr>
+              </a:outerShdw>
+            </a:effectLst>
+          </p:spPr>
+        </p:sp>
+        <p:sp>
+          <p:nvSpPr>
+            <p:cNvPr id="22" name="Freeform 36">
+              <a:extLst>
+                <a:ext uri="{FF2B5EF4-FFF2-40B4-BE49-F238E27FC236}">
+                  <a16:creationId xmlns:a16="http://schemas.microsoft.com/office/drawing/2014/main" id="{A7D912CF-756A-41F1-8BF1-5BA7D1BD052D}"/>
+                </a:ext>
+                <a:ext uri="{C183D7F6-B498-43B3-948B-1728B52AA6E4}">
+                  <adec:decorative xmlns:adec="http://schemas.microsoft.com/office/drawing/2017/decorative" val="1"/>
+                </a:ext>
+              </a:extLst>
+            </p:cNvPr>
+            <p:cNvSpPr>
+              <a:spLocks noEditPoints="1"/>
+            </p:cNvSpPr>
+            <p:nvPr>
+              <p:extLst>
+                <p:ext uri="{386F3935-93C4-4BCD-93E2-E3B085C9AB24}">
+                  <p16:designElem xmlns:p16="http://schemas.microsoft.com/office/powerpoint/2015/main" val="1"/>
+                </p:ext>
+              </p:extLst>
+            </p:nvPr>
+          </p:nvSpPr>
+          <p:spPr bwMode="auto">
+            <a:xfrm rot="5400000">
+              <a:off x="10747375" y="3232679"/>
+              <a:ext cx="157163" cy="155575"/>
+            </a:xfrm>
+            <a:custGeom>
+              <a:avLst/>
+              <a:gdLst/>
+              <a:ahLst/>
+              <a:cxnLst/>
+              <a:rect l="0" t="0" r="r" b="b"/>
+              <a:pathLst>
+                <a:path w="33" h="33">
+                  <a:moveTo>
+                    <a:pt x="17" y="33"/>
+                  </a:moveTo>
+                  <a:cubicBezTo>
+                    <a:pt x="8" y="33"/>
+                    <a:pt x="0" y="25"/>
+                    <a:pt x="0" y="16"/>
+                  </a:cubicBezTo>
+                  <a:cubicBezTo>
+                    <a:pt x="0" y="7"/>
+                    <a:pt x="8" y="0"/>
+                    <a:pt x="17" y="0"/>
+                  </a:cubicBezTo>
+                  <a:cubicBezTo>
+                    <a:pt x="26" y="0"/>
+                    <a:pt x="33" y="7"/>
+                    <a:pt x="33" y="16"/>
+                  </a:cubicBezTo>
+                  <a:cubicBezTo>
+                    <a:pt x="33" y="25"/>
+                    <a:pt x="26" y="33"/>
+                    <a:pt x="17" y="33"/>
+                  </a:cubicBezTo>
+                  <a:close/>
+                  <a:moveTo>
+                    <a:pt x="17" y="4"/>
+                  </a:moveTo>
+                  <a:cubicBezTo>
+                    <a:pt x="10" y="4"/>
+                    <a:pt x="4" y="9"/>
+                    <a:pt x="4" y="16"/>
+                  </a:cubicBezTo>
+                  <a:cubicBezTo>
+                    <a:pt x="4" y="23"/>
+                    <a:pt x="10" y="29"/>
+                    <a:pt x="17" y="29"/>
+                  </a:cubicBezTo>
+                  <a:cubicBezTo>
+                    <a:pt x="23" y="29"/>
+                    <a:pt x="29" y="23"/>
+                    <a:pt x="29" y="16"/>
+                  </a:cubicBezTo>
+                  <a:cubicBezTo>
+                    <a:pt x="29" y="9"/>
+                    <a:pt x="23" y="4"/>
+                    <a:pt x="17" y="4"/>
+                  </a:cubicBezTo>
+                  <a:close/>
+                </a:path>
+              </a:pathLst>
+            </a:custGeom>
+            <a:solidFill>
+              <a:schemeClr val="tx2">
+                <a:alpha val="60000"/>
+              </a:schemeClr>
+            </a:solidFill>
+            <a:ln>
+              <a:noFill/>
+            </a:ln>
+            <a:effectLst>
+              <a:outerShdw blurRad="50800" dist="38100" dir="2700000" algn="tl" rotWithShape="0">
+                <a:srgbClr val="000000">
+                  <a:alpha val="58000"/>
+                </a:srgbClr>
+              </a:outerShdw>
+            </a:effectLst>
+          </p:spPr>
+        </p:sp>
+        <p:sp>
+          <p:nvSpPr>
+            <p:cNvPr id="23" name="Freeform 38">
+              <a:extLst>
+                <a:ext uri="{FF2B5EF4-FFF2-40B4-BE49-F238E27FC236}">
+                  <a16:creationId xmlns:a16="http://schemas.microsoft.com/office/drawing/2014/main" id="{734B6F35-2160-44B1-AB00-F628C84B14F0}"/>
+                </a:ext>
+                <a:ext uri="{C183D7F6-B498-43B3-948B-1728B52AA6E4}">
+                  <adec:decorative xmlns:adec="http://schemas.microsoft.com/office/drawing/2017/decorative" val="1"/>
+                </a:ext>
+              </a:extLst>
+            </p:cNvPr>
+            <p:cNvSpPr>
+              <a:spLocks noEditPoints="1"/>
+            </p:cNvSpPr>
+            <p:nvPr>
+              <p:extLst>
+                <p:ext uri="{386F3935-93C4-4BCD-93E2-E3B085C9AB24}">
+                  <p16:designElem xmlns:p16="http://schemas.microsoft.com/office/powerpoint/2015/main" val="1"/>
+                </p:ext>
+              </p:extLst>
+            </p:nvPr>
+          </p:nvSpPr>
+          <p:spPr bwMode="auto">
+            <a:xfrm rot="5400000">
+              <a:off x="11399044" y="3095360"/>
+              <a:ext cx="188913" cy="188913"/>
+            </a:xfrm>
+            <a:custGeom>
+              <a:avLst/>
+              <a:gdLst/>
+              <a:ahLst/>
+              <a:cxnLst/>
+              <a:rect l="0" t="0" r="r" b="b"/>
+              <a:pathLst>
+                <a:path w="40" h="40">
+                  <a:moveTo>
+                    <a:pt x="20" y="40"/>
+                  </a:moveTo>
+                  <a:cubicBezTo>
+                    <a:pt x="9" y="40"/>
+                    <a:pt x="0" y="31"/>
+                    <a:pt x="0" y="20"/>
+                  </a:cubicBezTo>
+                  <a:cubicBezTo>
+                    <a:pt x="0" y="9"/>
+                    <a:pt x="9" y="0"/>
+                    <a:pt x="20" y="0"/>
+                  </a:cubicBezTo>
+                  <a:cubicBezTo>
+                    <a:pt x="31" y="0"/>
+                    <a:pt x="40" y="9"/>
+                    <a:pt x="40" y="20"/>
+                  </a:cubicBezTo>
+                  <a:cubicBezTo>
+                    <a:pt x="40" y="31"/>
+                    <a:pt x="31" y="40"/>
+                    <a:pt x="20" y="40"/>
+                  </a:cubicBezTo>
+                  <a:close/>
+                  <a:moveTo>
+                    <a:pt x="20" y="4"/>
+                  </a:moveTo>
+                  <a:cubicBezTo>
+                    <a:pt x="11" y="4"/>
+                    <a:pt x="4" y="11"/>
+                    <a:pt x="4" y="20"/>
+                  </a:cubicBezTo>
+                  <a:cubicBezTo>
+                    <a:pt x="4" y="29"/>
+                    <a:pt x="11" y="36"/>
+                    <a:pt x="20" y="36"/>
+                  </a:cubicBezTo>
+                  <a:cubicBezTo>
+                    <a:pt x="29" y="36"/>
+                    <a:pt x="36" y="29"/>
+                    <a:pt x="36" y="20"/>
+                  </a:cubicBezTo>
+                  <a:cubicBezTo>
+                    <a:pt x="36" y="11"/>
+                    <a:pt x="29" y="4"/>
+                    <a:pt x="20" y="4"/>
+                  </a:cubicBezTo>
+                  <a:close/>
+                </a:path>
+              </a:pathLst>
+            </a:custGeom>
+            <a:solidFill>
+              <a:schemeClr val="tx2">
+                <a:alpha val="60000"/>
+              </a:schemeClr>
+            </a:solidFill>
+            <a:ln>
+              <a:noFill/>
+            </a:ln>
+            <a:effectLst>
+              <a:outerShdw blurRad="50800" dist="38100" dir="2700000" algn="tl" rotWithShape="0">
+                <a:srgbClr val="000000">
+                  <a:alpha val="58000"/>
+                </a:srgbClr>
+              </a:outerShdw>
+            </a:effectLst>
+          </p:spPr>
+        </p:sp>
+        <p:sp>
+          <p:nvSpPr>
+            <p:cNvPr id="24" name="Freeform 39">
+              <a:extLst>
+                <a:ext uri="{FF2B5EF4-FFF2-40B4-BE49-F238E27FC236}">
+                  <a16:creationId xmlns:a16="http://schemas.microsoft.com/office/drawing/2014/main" id="{D8657E76-4F63-44FE-86C5-54CA174FCB35}"/>
+                </a:ext>
+                <a:ext uri="{C183D7F6-B498-43B3-948B-1728B52AA6E4}">
+                  <adec:decorative xmlns:adec="http://schemas.microsoft.com/office/drawing/2017/decorative" val="1"/>
+                </a:ext>
+              </a:extLst>
+            </p:cNvPr>
+            <p:cNvSpPr/>
+            <p:nvPr>
+              <p:extLst>
+                <p:ext uri="{386F3935-93C4-4BCD-93E2-E3B085C9AB24}">
+                  <p16:designElem xmlns:p16="http://schemas.microsoft.com/office/powerpoint/2015/main" val="1"/>
+                </p:ext>
+              </p:extLst>
+            </p:nvPr>
+          </p:nvSpPr>
+          <p:spPr bwMode="auto">
+            <a:xfrm rot="5400000">
+              <a:off x="10353675" y="2153178"/>
+              <a:ext cx="307975" cy="1801813"/>
+            </a:xfrm>
+            <a:custGeom>
+              <a:avLst/>
+              <a:gdLst/>
+              <a:ahLst/>
+              <a:cxnLst/>
+              <a:rect l="0" t="0" r="r" b="b"/>
+              <a:pathLst>
+                <a:path w="194" h="1135">
+                  <a:moveTo>
+                    <a:pt x="18" y="1135"/>
+                  </a:moveTo>
+                  <a:lnTo>
+                    <a:pt x="0" y="1135"/>
+                  </a:lnTo>
+                  <a:lnTo>
+                    <a:pt x="0" y="354"/>
+                  </a:lnTo>
+                  <a:lnTo>
+                    <a:pt x="176" y="177"/>
+                  </a:lnTo>
+                  <a:lnTo>
+                    <a:pt x="176" y="0"/>
+                  </a:lnTo>
+                  <a:lnTo>
+                    <a:pt x="194" y="0"/>
+                  </a:lnTo>
+                  <a:lnTo>
+                    <a:pt x="194" y="183"/>
+                  </a:lnTo>
+                  <a:lnTo>
+                    <a:pt x="18" y="360"/>
+                  </a:lnTo>
+                  <a:lnTo>
+                    <a:pt x="18" y="1135"/>
+                  </a:lnTo>
+                  <a:close/>
+                </a:path>
+              </a:pathLst>
+            </a:custGeom>
+            <a:solidFill>
+              <a:schemeClr val="tx2">
+                <a:alpha val="60000"/>
+              </a:schemeClr>
+            </a:solidFill>
+            <a:ln>
+              <a:noFill/>
+            </a:ln>
+            <a:effectLst>
+              <a:outerShdw blurRad="50800" dist="38100" dir="2700000" algn="tl" rotWithShape="0">
+                <a:srgbClr val="000000">
+                  <a:alpha val="58000"/>
+                </a:srgbClr>
+              </a:outerShdw>
+            </a:effectLst>
+          </p:spPr>
+        </p:sp>
+        <p:sp>
+          <p:nvSpPr>
+            <p:cNvPr id="25" name="Freeform 40">
+              <a:extLst>
+                <a:ext uri="{FF2B5EF4-FFF2-40B4-BE49-F238E27FC236}">
+                  <a16:creationId xmlns:a16="http://schemas.microsoft.com/office/drawing/2014/main" id="{482CEB8C-90E5-4152-8B52-A2881B98A3BA}"/>
+                </a:ext>
+                <a:ext uri="{C183D7F6-B498-43B3-948B-1728B52AA6E4}">
+                  <adec:decorative xmlns:adec="http://schemas.microsoft.com/office/drawing/2017/decorative" val="1"/>
+                </a:ext>
+              </a:extLst>
+            </p:cNvPr>
+            <p:cNvSpPr>
+              <a:spLocks noEditPoints="1"/>
+            </p:cNvSpPr>
+            <p:nvPr>
+              <p:extLst>
+                <p:ext uri="{386F3935-93C4-4BCD-93E2-E3B085C9AB24}">
+                  <p16:designElem xmlns:p16="http://schemas.microsoft.com/office/powerpoint/2015/main" val="1"/>
+                </p:ext>
+              </p:extLst>
+            </p:nvPr>
+          </p:nvSpPr>
+          <p:spPr bwMode="auto">
+            <a:xfrm rot="5400000">
+              <a:off x="9848850" y="3308878"/>
+              <a:ext cx="190500" cy="188913"/>
+            </a:xfrm>
+            <a:custGeom>
+              <a:avLst/>
+              <a:gdLst/>
+              <a:ahLst/>
+              <a:cxnLst/>
+              <a:rect l="0" t="0" r="r" b="b"/>
+              <a:pathLst>
+                <a:path w="40" h="40">
+                  <a:moveTo>
+                    <a:pt x="20" y="40"/>
+                  </a:moveTo>
+                  <a:cubicBezTo>
+                    <a:pt x="9" y="40"/>
+                    <a:pt x="0" y="31"/>
+                    <a:pt x="0" y="20"/>
+                  </a:cubicBezTo>
+                  <a:cubicBezTo>
+                    <a:pt x="0" y="9"/>
+                    <a:pt x="9" y="0"/>
+                    <a:pt x="20" y="0"/>
+                  </a:cubicBezTo>
+                  <a:cubicBezTo>
+                    <a:pt x="31" y="0"/>
+                    <a:pt x="40" y="9"/>
+                    <a:pt x="40" y="20"/>
+                  </a:cubicBezTo>
+                  <a:cubicBezTo>
+                    <a:pt x="40" y="31"/>
+                    <a:pt x="31" y="40"/>
+                    <a:pt x="20" y="40"/>
+                  </a:cubicBezTo>
+                  <a:close/>
+                  <a:moveTo>
+                    <a:pt x="20" y="4"/>
+                  </a:moveTo>
+                  <a:cubicBezTo>
+                    <a:pt x="12" y="4"/>
+                    <a:pt x="4" y="11"/>
+                    <a:pt x="4" y="20"/>
+                  </a:cubicBezTo>
+                  <a:cubicBezTo>
+                    <a:pt x="4" y="29"/>
+                    <a:pt x="12" y="36"/>
+                    <a:pt x="20" y="36"/>
+                  </a:cubicBezTo>
+                  <a:cubicBezTo>
+                    <a:pt x="29" y="36"/>
+                    <a:pt x="36" y="29"/>
+                    <a:pt x="36" y="20"/>
+                  </a:cubicBezTo>
+                  <a:cubicBezTo>
+                    <a:pt x="36" y="11"/>
+                    <a:pt x="29" y="4"/>
+                    <a:pt x="20" y="4"/>
+                  </a:cubicBezTo>
+                  <a:close/>
+                </a:path>
+              </a:pathLst>
+            </a:custGeom>
+            <a:solidFill>
+              <a:schemeClr val="tx2">
+                <a:alpha val="60000"/>
+              </a:schemeClr>
+            </a:solidFill>
+            <a:ln>
+              <a:noFill/>
+            </a:ln>
+            <a:effectLst>
+              <a:outerShdw blurRad="50800" dist="38100" dir="2700000" algn="tl" rotWithShape="0">
+                <a:srgbClr val="000000">
+                  <a:alpha val="58000"/>
+                </a:srgbClr>
+              </a:outerShdw>
+            </a:effectLst>
+          </p:spPr>
+        </p:sp>
+        <p:sp>
+          <p:nvSpPr>
+            <p:cNvPr id="26" name="Rectangle 41">
+              <a:extLst>
+                <a:ext uri="{FF2B5EF4-FFF2-40B4-BE49-F238E27FC236}">
+                  <a16:creationId xmlns:a16="http://schemas.microsoft.com/office/drawing/2014/main" id="{85010FC2-BC4C-4692-876D-7FE363BFC635}"/>
+                </a:ext>
+                <a:ext uri="{C183D7F6-B498-43B3-948B-1728B52AA6E4}">
+                  <adec:decorative xmlns:adec="http://schemas.microsoft.com/office/drawing/2017/decorative" val="1"/>
+                </a:ext>
+              </a:extLst>
+            </p:cNvPr>
+            <p:cNvSpPr>
+              <a:spLocks noChangeArrowheads="1"/>
+            </p:cNvSpPr>
+            <p:nvPr>
+              <p:extLst>
+                <p:ext uri="{386F3935-93C4-4BCD-93E2-E3B085C9AB24}">
+                  <p16:designElem xmlns:p16="http://schemas.microsoft.com/office/powerpoint/2015/main" val="1"/>
+                </p:ext>
+              </p:extLst>
+            </p:nvPr>
+          </p:nvSpPr>
+          <p:spPr bwMode="auto">
+            <a:xfrm rot="5400000">
+              <a:off x="9721056" y="3284272"/>
+              <a:ext cx="23813" cy="252413"/>
+            </a:xfrm>
+            <a:prstGeom prst="rect">
+              <a:avLst/>
+            </a:prstGeom>
+            <a:solidFill>
+              <a:schemeClr val="tx2">
+                <a:alpha val="60000"/>
+              </a:schemeClr>
+            </a:solidFill>
+            <a:ln>
+              <a:noFill/>
+            </a:ln>
+            <a:effectLst>
+              <a:outerShdw blurRad="50800" dist="38100" dir="2700000" algn="tl" rotWithShape="0">
+                <a:srgbClr val="000000">
+                  <a:alpha val="58000"/>
+                </a:srgbClr>
+              </a:outerShdw>
+            </a:effectLst>
+          </p:spPr>
+        </p:sp>
+        <p:sp>
+          <p:nvSpPr>
+            <p:cNvPr id="27" name="Freeform 32">
+              <a:extLst>
+                <a:ext uri="{FF2B5EF4-FFF2-40B4-BE49-F238E27FC236}">
+                  <a16:creationId xmlns:a16="http://schemas.microsoft.com/office/drawing/2014/main" id="{714C1223-2B78-4715-9ACB-079A60D16D3F}"/>
+                </a:ext>
+                <a:ext uri="{C183D7F6-B498-43B3-948B-1728B52AA6E4}">
+                  <adec:decorative xmlns:adec="http://schemas.microsoft.com/office/drawing/2017/decorative" val="1"/>
+                </a:ext>
+              </a:extLst>
+            </p:cNvPr>
+            <p:cNvSpPr/>
+            <p:nvPr>
+              <p:extLst>
+                <p:ext uri="{386F3935-93C4-4BCD-93E2-E3B085C9AB24}">
+                  <p16:designElem xmlns:p16="http://schemas.microsoft.com/office/powerpoint/2015/main" val="1"/>
+                </p:ext>
+              </p:extLst>
+            </p:nvPr>
+          </p:nvSpPr>
+          <p:spPr bwMode="auto">
+            <a:xfrm rot="16200000" flipH="1" flipV="1">
+              <a:off x="2122751" y="3532184"/>
+              <a:ext cx="417513" cy="512763"/>
+            </a:xfrm>
+            <a:custGeom>
+              <a:avLst/>
+              <a:gdLst/>
+              <a:ahLst/>
+              <a:cxnLst/>
+              <a:rect l="0" t="0" r="r" b="b"/>
+              <a:pathLst>
+                <a:path w="263" h="323">
+                  <a:moveTo>
+                    <a:pt x="12" y="323"/>
+                  </a:moveTo>
+                  <a:lnTo>
+                    <a:pt x="0" y="314"/>
+                  </a:lnTo>
+                  <a:lnTo>
+                    <a:pt x="203" y="108"/>
+                  </a:lnTo>
+                  <a:lnTo>
+                    <a:pt x="248" y="0"/>
+                  </a:lnTo>
+                  <a:lnTo>
+                    <a:pt x="263" y="6"/>
+                  </a:lnTo>
+                  <a:lnTo>
+                    <a:pt x="218" y="117"/>
+                  </a:lnTo>
+                  <a:lnTo>
+                    <a:pt x="218" y="117"/>
+                  </a:lnTo>
+                  <a:lnTo>
+                    <a:pt x="12" y="323"/>
+                  </a:lnTo>
+                  <a:close/>
+                </a:path>
+              </a:pathLst>
+            </a:custGeom>
+            <a:solidFill>
+              <a:schemeClr val="tx2">
+                <a:alpha val="60000"/>
+              </a:schemeClr>
+            </a:solidFill>
+            <a:ln>
+              <a:noFill/>
+            </a:ln>
+            <a:effectLst>
+              <a:outerShdw blurRad="50800" dist="38100" dir="2700000" algn="tl" rotWithShape="0">
+                <a:srgbClr val="000000">
+                  <a:alpha val="58000"/>
+                </a:srgbClr>
+              </a:outerShdw>
+            </a:effectLst>
+          </p:spPr>
+        </p:sp>
+        <p:sp>
+          <p:nvSpPr>
+            <p:cNvPr id="28" name="Freeform 33">
+              <a:extLst>
+                <a:ext uri="{FF2B5EF4-FFF2-40B4-BE49-F238E27FC236}">
+                  <a16:creationId xmlns:a16="http://schemas.microsoft.com/office/drawing/2014/main" id="{1D9109D3-C92A-410B-9B43-5F02B2D84EE3}"/>
+                </a:ext>
+                <a:ext uri="{C183D7F6-B498-43B3-948B-1728B52AA6E4}">
+                  <adec:decorative xmlns:adec="http://schemas.microsoft.com/office/drawing/2017/decorative" val="1"/>
+                </a:ext>
+              </a:extLst>
+            </p:cNvPr>
+            <p:cNvSpPr>
+              <a:spLocks noEditPoints="1"/>
+            </p:cNvSpPr>
+            <p:nvPr>
+              <p:extLst>
+                <p:ext uri="{386F3935-93C4-4BCD-93E2-E3B085C9AB24}">
+                  <p16:designElem xmlns:p16="http://schemas.microsoft.com/office/powerpoint/2015/main" val="1"/>
+                </p:ext>
+              </p:extLst>
+            </p:nvPr>
+          </p:nvSpPr>
+          <p:spPr bwMode="auto">
+            <a:xfrm rot="16200000" flipH="1" flipV="1">
+              <a:off x="1958445" y="3463128"/>
+              <a:ext cx="157163" cy="152400"/>
+            </a:xfrm>
+            <a:custGeom>
+              <a:avLst/>
+              <a:gdLst/>
+              <a:ahLst/>
+              <a:cxnLst/>
+              <a:rect l="0" t="0" r="r" b="b"/>
+              <a:pathLst>
+                <a:path w="33" h="32">
+                  <a:moveTo>
+                    <a:pt x="17" y="32"/>
+                  </a:moveTo>
+                  <a:cubicBezTo>
+                    <a:pt x="13" y="32"/>
+                    <a:pt x="9" y="30"/>
+                    <a:pt x="6" y="27"/>
+                  </a:cubicBezTo>
+                  <a:cubicBezTo>
+                    <a:pt x="0" y="21"/>
+                    <a:pt x="0" y="11"/>
+                    <a:pt x="6" y="5"/>
+                  </a:cubicBezTo>
+                  <a:cubicBezTo>
+                    <a:pt x="9" y="2"/>
+                    <a:pt x="13" y="0"/>
+                    <a:pt x="17" y="0"/>
+                  </a:cubicBezTo>
+                  <a:cubicBezTo>
+                    <a:pt x="21" y="0"/>
+                    <a:pt x="25" y="2"/>
+                    <a:pt x="28" y="5"/>
+                  </a:cubicBezTo>
+                  <a:cubicBezTo>
+                    <a:pt x="31" y="8"/>
+                    <a:pt x="33" y="12"/>
+                    <a:pt x="33" y="16"/>
+                  </a:cubicBezTo>
+                  <a:cubicBezTo>
+                    <a:pt x="33" y="20"/>
+                    <a:pt x="31" y="24"/>
+                    <a:pt x="28" y="27"/>
+                  </a:cubicBezTo>
+                  <a:cubicBezTo>
+                    <a:pt x="25" y="30"/>
+                    <a:pt x="21" y="32"/>
+                    <a:pt x="17" y="32"/>
+                  </a:cubicBezTo>
+                  <a:close/>
+                  <a:moveTo>
+                    <a:pt x="17" y="4"/>
+                  </a:moveTo>
+                  <a:cubicBezTo>
+                    <a:pt x="14" y="4"/>
+                    <a:pt x="11" y="6"/>
+                    <a:pt x="9" y="8"/>
+                  </a:cubicBezTo>
+                  <a:cubicBezTo>
+                    <a:pt x="4" y="12"/>
+                    <a:pt x="4" y="20"/>
+                    <a:pt x="9" y="24"/>
+                  </a:cubicBezTo>
+                  <a:cubicBezTo>
+                    <a:pt x="11" y="27"/>
+                    <a:pt x="14" y="28"/>
+                    <a:pt x="17" y="28"/>
+                  </a:cubicBezTo>
+                  <a:cubicBezTo>
+                    <a:pt x="20" y="28"/>
+                    <a:pt x="23" y="27"/>
+                    <a:pt x="26" y="24"/>
+                  </a:cubicBezTo>
+                  <a:cubicBezTo>
+                    <a:pt x="30" y="20"/>
+                    <a:pt x="30" y="12"/>
+                    <a:pt x="26" y="8"/>
+                  </a:cubicBezTo>
+                  <a:cubicBezTo>
+                    <a:pt x="23" y="6"/>
+                    <a:pt x="20" y="4"/>
+                    <a:pt x="17" y="4"/>
+                  </a:cubicBezTo>
+                  <a:close/>
+                </a:path>
+              </a:pathLst>
+            </a:custGeom>
+            <a:solidFill>
+              <a:schemeClr val="tx2">
+                <a:alpha val="60000"/>
+              </a:schemeClr>
+            </a:solidFill>
+            <a:ln>
+              <a:noFill/>
+            </a:ln>
+            <a:effectLst>
+              <a:outerShdw blurRad="50800" dist="38100" dir="2700000" algn="tl" rotWithShape="0">
+                <a:srgbClr val="000000">
+                  <a:alpha val="58000"/>
+                </a:srgbClr>
+              </a:outerShdw>
+            </a:effectLst>
+          </p:spPr>
+        </p:sp>
+        <p:sp>
+          <p:nvSpPr>
+            <p:cNvPr id="29" name="Freeform 34">
+              <a:extLst>
+                <a:ext uri="{FF2B5EF4-FFF2-40B4-BE49-F238E27FC236}">
+                  <a16:creationId xmlns:a16="http://schemas.microsoft.com/office/drawing/2014/main" id="{EF5B327A-A1AE-42F3-815E-84F4AA2948C2}"/>
+                </a:ext>
+                <a:ext uri="{C183D7F6-B498-43B3-948B-1728B52AA6E4}">
+                  <adec:decorative xmlns:adec="http://schemas.microsoft.com/office/drawing/2017/decorative" val="1"/>
+                </a:ext>
+              </a:extLst>
+            </p:cNvPr>
+            <p:cNvSpPr>
+              <a:spLocks noEditPoints="1"/>
+            </p:cNvSpPr>
+            <p:nvPr>
+              <p:extLst>
+                <p:ext uri="{386F3935-93C4-4BCD-93E2-E3B085C9AB24}">
+                  <p16:designElem xmlns:p16="http://schemas.microsoft.com/office/powerpoint/2015/main" val="1"/>
+                </p:ext>
+              </p:extLst>
+            </p:nvPr>
+          </p:nvSpPr>
+          <p:spPr bwMode="auto">
+            <a:xfrm rot="16200000" flipH="1" flipV="1">
+              <a:off x="858308" y="3726653"/>
+              <a:ext cx="188913" cy="190500"/>
+            </a:xfrm>
+            <a:custGeom>
+              <a:avLst/>
+              <a:gdLst/>
+              <a:ahLst/>
+              <a:cxnLst/>
+              <a:rect l="0" t="0" r="r" b="b"/>
+              <a:pathLst>
+                <a:path w="40" h="40">
+                  <a:moveTo>
+                    <a:pt x="20" y="40"/>
+                  </a:moveTo>
+                  <a:cubicBezTo>
+                    <a:pt x="9" y="40"/>
+                    <a:pt x="0" y="31"/>
+                    <a:pt x="0" y="20"/>
+                  </a:cubicBezTo>
+                  <a:cubicBezTo>
+                    <a:pt x="0" y="9"/>
+                    <a:pt x="9" y="0"/>
+                    <a:pt x="20" y="0"/>
+                  </a:cubicBezTo>
+                  <a:cubicBezTo>
+                    <a:pt x="31" y="0"/>
+                    <a:pt x="40" y="9"/>
+                    <a:pt x="40" y="20"/>
+                  </a:cubicBezTo>
+                  <a:cubicBezTo>
+                    <a:pt x="40" y="31"/>
+                    <a:pt x="31" y="40"/>
+                    <a:pt x="20" y="40"/>
+                  </a:cubicBezTo>
+                  <a:close/>
+                  <a:moveTo>
+                    <a:pt x="20" y="4"/>
+                  </a:moveTo>
+                  <a:cubicBezTo>
+                    <a:pt x="11" y="4"/>
+                    <a:pt x="4" y="11"/>
+                    <a:pt x="4" y="20"/>
+                  </a:cubicBezTo>
+                  <a:cubicBezTo>
+                    <a:pt x="4" y="29"/>
+                    <a:pt x="11" y="36"/>
+                    <a:pt x="20" y="36"/>
+                  </a:cubicBezTo>
+                  <a:cubicBezTo>
+                    <a:pt x="29" y="36"/>
+                    <a:pt x="36" y="29"/>
+                    <a:pt x="36" y="20"/>
+                  </a:cubicBezTo>
+                  <a:cubicBezTo>
+                    <a:pt x="36" y="11"/>
+                    <a:pt x="29" y="4"/>
+                    <a:pt x="20" y="4"/>
+                  </a:cubicBezTo>
+                  <a:close/>
+                </a:path>
+              </a:pathLst>
+            </a:custGeom>
+            <a:solidFill>
+              <a:schemeClr val="tx2">
+                <a:alpha val="60000"/>
+              </a:schemeClr>
+            </a:solidFill>
+            <a:ln>
+              <a:noFill/>
+            </a:ln>
+            <a:effectLst>
+              <a:outerShdw blurRad="50800" dist="38100" dir="2700000" algn="tl" rotWithShape="0">
+                <a:srgbClr val="000000">
+                  <a:alpha val="58000"/>
+                </a:srgbClr>
+              </a:outerShdw>
+            </a:effectLst>
+          </p:spPr>
+        </p:sp>
+        <p:sp>
+          <p:nvSpPr>
+            <p:cNvPr id="30" name="Freeform 37">
+              <a:extLst>
+                <a:ext uri="{FF2B5EF4-FFF2-40B4-BE49-F238E27FC236}">
+                  <a16:creationId xmlns:a16="http://schemas.microsoft.com/office/drawing/2014/main" id="{77738BDE-751F-4D4C-B4C4-C9DF3EA29193}"/>
+                </a:ext>
+                <a:ext uri="{C183D7F6-B498-43B3-948B-1728B52AA6E4}">
+                  <adec:decorative xmlns:adec="http://schemas.microsoft.com/office/drawing/2017/decorative" val="1"/>
+                </a:ext>
+              </a:extLst>
+            </p:cNvPr>
+            <p:cNvSpPr/>
+            <p:nvPr>
+              <p:extLst>
+                <p:ext uri="{386F3935-93C4-4BCD-93E2-E3B085C9AB24}">
+                  <p16:designElem xmlns:p16="http://schemas.microsoft.com/office/powerpoint/2015/main" val="1"/>
+                </p:ext>
+              </p:extLst>
+            </p:nvPr>
+          </p:nvSpPr>
+          <p:spPr bwMode="auto">
+            <a:xfrm rot="16200000" flipH="1" flipV="1">
+              <a:off x="1658407" y="3186902"/>
+              <a:ext cx="304800" cy="1544638"/>
+            </a:xfrm>
+            <a:custGeom>
+              <a:avLst/>
+              <a:gdLst/>
+              <a:ahLst/>
+              <a:cxnLst/>
+              <a:rect l="0" t="0" r="r" b="b"/>
+              <a:pathLst>
+                <a:path w="192" h="973">
+                  <a:moveTo>
+                    <a:pt x="15" y="973"/>
+                  </a:moveTo>
+                  <a:lnTo>
+                    <a:pt x="0" y="973"/>
+                  </a:lnTo>
+                  <a:lnTo>
+                    <a:pt x="0" y="790"/>
+                  </a:lnTo>
+                  <a:lnTo>
+                    <a:pt x="174" y="614"/>
+                  </a:lnTo>
+                  <a:lnTo>
+                    <a:pt x="174" y="0"/>
+                  </a:lnTo>
+                  <a:lnTo>
+                    <a:pt x="192" y="0"/>
+                  </a:lnTo>
+                  <a:lnTo>
+                    <a:pt x="192" y="620"/>
+                  </a:lnTo>
+                  <a:lnTo>
+                    <a:pt x="15" y="796"/>
+                  </a:lnTo>
+                  <a:lnTo>
+                    <a:pt x="15" y="973"/>
+                  </a:lnTo>
+                  <a:close/>
+                </a:path>
+              </a:pathLst>
+            </a:custGeom>
+            <a:solidFill>
+              <a:schemeClr val="tx2">
+                <a:alpha val="60000"/>
+              </a:schemeClr>
+            </a:solidFill>
+            <a:ln>
+              <a:noFill/>
+            </a:ln>
+            <a:effectLst>
+              <a:outerShdw blurRad="50800" dist="38100" dir="2700000" algn="tl" rotWithShape="0">
+                <a:srgbClr val="000000">
+                  <a:alpha val="58000"/>
+                </a:srgbClr>
+              </a:outerShdw>
+            </a:effectLst>
+          </p:spPr>
+        </p:sp>
+        <p:sp>
+          <p:nvSpPr>
+            <p:cNvPr id="31" name="Freeform 35">
+              <a:extLst>
+                <a:ext uri="{FF2B5EF4-FFF2-40B4-BE49-F238E27FC236}">
+                  <a16:creationId xmlns:a16="http://schemas.microsoft.com/office/drawing/2014/main" id="{9C8C4AD6-72BF-490C-963C-97C7FD7E7EAC}"/>
+                </a:ext>
+                <a:ext uri="{C183D7F6-B498-43B3-948B-1728B52AA6E4}">
+                  <adec:decorative xmlns:adec="http://schemas.microsoft.com/office/drawing/2017/decorative" val="1"/>
+                </a:ext>
+              </a:extLst>
+            </p:cNvPr>
+            <p:cNvSpPr/>
+            <p:nvPr>
+              <p:extLst>
+                <p:ext uri="{386F3935-93C4-4BCD-93E2-E3B085C9AB24}">
+                  <p16:designElem xmlns:p16="http://schemas.microsoft.com/office/powerpoint/2015/main" val="1"/>
+                </p:ext>
+              </p:extLst>
+            </p:nvPr>
+          </p:nvSpPr>
+          <p:spPr bwMode="auto">
+            <a:xfrm rot="16200000" flipH="1">
+              <a:off x="1860814" y="2715153"/>
+              <a:ext cx="298450" cy="1154113"/>
+            </a:xfrm>
+            <a:custGeom>
+              <a:avLst/>
+              <a:gdLst/>
+              <a:ahLst/>
+              <a:cxnLst/>
+              <a:rect l="0" t="0" r="r" b="b"/>
+              <a:pathLst>
+                <a:path w="188" h="727">
+                  <a:moveTo>
+                    <a:pt x="15" y="727"/>
+                  </a:moveTo>
+                  <a:lnTo>
+                    <a:pt x="0" y="727"/>
+                  </a:lnTo>
+                  <a:lnTo>
+                    <a:pt x="0" y="407"/>
+                  </a:lnTo>
+                  <a:lnTo>
+                    <a:pt x="0" y="407"/>
+                  </a:lnTo>
+                  <a:lnTo>
+                    <a:pt x="176" y="0"/>
+                  </a:lnTo>
+                  <a:lnTo>
+                    <a:pt x="188" y="6"/>
+                  </a:lnTo>
+                  <a:lnTo>
+                    <a:pt x="15" y="410"/>
+                  </a:lnTo>
+                  <a:lnTo>
+                    <a:pt x="15" y="727"/>
+                  </a:lnTo>
+                  <a:close/>
+                </a:path>
+              </a:pathLst>
+            </a:custGeom>
+            <a:solidFill>
+              <a:schemeClr val="tx2">
+                <a:alpha val="60000"/>
+              </a:schemeClr>
+            </a:solidFill>
+            <a:ln>
+              <a:noFill/>
+            </a:ln>
+            <a:effectLst>
+              <a:outerShdw blurRad="50800" dist="38100" dir="2700000" algn="tl" rotWithShape="0">
+                <a:srgbClr val="000000">
+                  <a:alpha val="58000"/>
+                </a:srgbClr>
+              </a:outerShdw>
+            </a:effectLst>
+          </p:spPr>
+        </p:sp>
+        <p:sp>
+          <p:nvSpPr>
+            <p:cNvPr id="32" name="Freeform 36">
+              <a:extLst>
+                <a:ext uri="{FF2B5EF4-FFF2-40B4-BE49-F238E27FC236}">
+                  <a16:creationId xmlns:a16="http://schemas.microsoft.com/office/drawing/2014/main" id="{94990E31-5AA8-4502-A963-CE1B539DAC42}"/>
+                </a:ext>
+                <a:ext uri="{C183D7F6-B498-43B3-948B-1728B52AA6E4}">
+                  <adec:decorative xmlns:adec="http://schemas.microsoft.com/office/drawing/2017/decorative" val="1"/>
+                </a:ext>
+              </a:extLst>
+            </p:cNvPr>
+            <p:cNvSpPr>
+              <a:spLocks noEditPoints="1"/>
+            </p:cNvSpPr>
+            <p:nvPr>
+              <p:extLst>
+                <p:ext uri="{386F3935-93C4-4BCD-93E2-E3B085C9AB24}">
+                  <p16:designElem xmlns:p16="http://schemas.microsoft.com/office/powerpoint/2015/main" val="1"/>
+                </p:ext>
+              </p:extLst>
+            </p:nvPr>
+          </p:nvSpPr>
+          <p:spPr bwMode="auto">
+            <a:xfrm rot="16200000" flipH="1">
+              <a:off x="1289314" y="3385079"/>
+              <a:ext cx="157163" cy="155575"/>
+            </a:xfrm>
+            <a:custGeom>
+              <a:avLst/>
+              <a:gdLst/>
+              <a:ahLst/>
+              <a:cxnLst/>
+              <a:rect l="0" t="0" r="r" b="b"/>
+              <a:pathLst>
+                <a:path w="33" h="33">
+                  <a:moveTo>
+                    <a:pt x="17" y="33"/>
+                  </a:moveTo>
+                  <a:cubicBezTo>
+                    <a:pt x="8" y="33"/>
+                    <a:pt x="0" y="25"/>
+                    <a:pt x="0" y="16"/>
+                  </a:cubicBezTo>
+                  <a:cubicBezTo>
+                    <a:pt x="0" y="7"/>
+                    <a:pt x="8" y="0"/>
+                    <a:pt x="17" y="0"/>
+                  </a:cubicBezTo>
+                  <a:cubicBezTo>
+                    <a:pt x="26" y="0"/>
+                    <a:pt x="33" y="7"/>
+                    <a:pt x="33" y="16"/>
+                  </a:cubicBezTo>
+                  <a:cubicBezTo>
+                    <a:pt x="33" y="25"/>
+                    <a:pt x="26" y="33"/>
+                    <a:pt x="17" y="33"/>
+                  </a:cubicBezTo>
+                  <a:close/>
+                  <a:moveTo>
+                    <a:pt x="17" y="4"/>
+                  </a:moveTo>
+                  <a:cubicBezTo>
+                    <a:pt x="10" y="4"/>
+                    <a:pt x="4" y="9"/>
+                    <a:pt x="4" y="16"/>
+                  </a:cubicBezTo>
+                  <a:cubicBezTo>
+                    <a:pt x="4" y="23"/>
+                    <a:pt x="10" y="29"/>
+                    <a:pt x="17" y="29"/>
+                  </a:cubicBezTo>
+                  <a:cubicBezTo>
+                    <a:pt x="23" y="29"/>
+                    <a:pt x="29" y="23"/>
+                    <a:pt x="29" y="16"/>
+                  </a:cubicBezTo>
+                  <a:cubicBezTo>
+                    <a:pt x="29" y="9"/>
+                    <a:pt x="23" y="4"/>
+                    <a:pt x="17" y="4"/>
+                  </a:cubicBezTo>
+                  <a:close/>
+                </a:path>
+              </a:pathLst>
+            </a:custGeom>
+            <a:solidFill>
+              <a:schemeClr val="tx2">
+                <a:alpha val="60000"/>
+              </a:schemeClr>
+            </a:solidFill>
+            <a:ln>
+              <a:noFill/>
+            </a:ln>
+            <a:effectLst>
+              <a:outerShdw blurRad="50800" dist="38100" dir="2700000" algn="tl" rotWithShape="0">
+                <a:srgbClr val="000000">
+                  <a:alpha val="58000"/>
+                </a:srgbClr>
+              </a:outerShdw>
+            </a:effectLst>
+          </p:spPr>
+        </p:sp>
+        <p:sp>
+          <p:nvSpPr>
+            <p:cNvPr id="33" name="Freeform 38">
+              <a:extLst>
+                <a:ext uri="{FF2B5EF4-FFF2-40B4-BE49-F238E27FC236}">
+                  <a16:creationId xmlns:a16="http://schemas.microsoft.com/office/drawing/2014/main" id="{9E703E9D-ED76-449C-A8C0-7A1E24B8B277}"/>
+                </a:ext>
+                <a:ext uri="{C183D7F6-B498-43B3-948B-1728B52AA6E4}">
+                  <adec:decorative xmlns:adec="http://schemas.microsoft.com/office/drawing/2017/decorative" val="1"/>
+                </a:ext>
+              </a:extLst>
+            </p:cNvPr>
+            <p:cNvSpPr>
+              <a:spLocks noEditPoints="1"/>
+            </p:cNvSpPr>
+            <p:nvPr>
+              <p:extLst>
+                <p:ext uri="{386F3935-93C4-4BCD-93E2-E3B085C9AB24}">
+                  <p16:designElem xmlns:p16="http://schemas.microsoft.com/office/powerpoint/2015/main" val="1"/>
+                </p:ext>
+              </p:extLst>
+            </p:nvPr>
+          </p:nvSpPr>
+          <p:spPr bwMode="auto">
+            <a:xfrm rot="16200000" flipH="1">
+              <a:off x="605895" y="3247760"/>
+              <a:ext cx="188913" cy="188913"/>
+            </a:xfrm>
+            <a:custGeom>
+              <a:avLst/>
+              <a:gdLst/>
+              <a:ahLst/>
+              <a:cxnLst/>
+              <a:rect l="0" t="0" r="r" b="b"/>
+              <a:pathLst>
+                <a:path w="40" h="40">
+                  <a:moveTo>
+                    <a:pt x="20" y="40"/>
+                  </a:moveTo>
+                  <a:cubicBezTo>
+                    <a:pt x="9" y="40"/>
+                    <a:pt x="0" y="31"/>
+                    <a:pt x="0" y="20"/>
+                  </a:cubicBezTo>
+                  <a:cubicBezTo>
+                    <a:pt x="0" y="9"/>
+                    <a:pt x="9" y="0"/>
+                    <a:pt x="20" y="0"/>
+                  </a:cubicBezTo>
+                  <a:cubicBezTo>
+                    <a:pt x="31" y="0"/>
+                    <a:pt x="40" y="9"/>
+                    <a:pt x="40" y="20"/>
+                  </a:cubicBezTo>
+                  <a:cubicBezTo>
+                    <a:pt x="40" y="31"/>
+                    <a:pt x="31" y="40"/>
+                    <a:pt x="20" y="40"/>
+                  </a:cubicBezTo>
+                  <a:close/>
+                  <a:moveTo>
+                    <a:pt x="20" y="4"/>
+                  </a:moveTo>
+                  <a:cubicBezTo>
+                    <a:pt x="11" y="4"/>
+                    <a:pt x="4" y="11"/>
+                    <a:pt x="4" y="20"/>
+                  </a:cubicBezTo>
+                  <a:cubicBezTo>
+                    <a:pt x="4" y="29"/>
+                    <a:pt x="11" y="36"/>
+                    <a:pt x="20" y="36"/>
+                  </a:cubicBezTo>
+                  <a:cubicBezTo>
+                    <a:pt x="29" y="36"/>
+                    <a:pt x="36" y="29"/>
+                    <a:pt x="36" y="20"/>
+                  </a:cubicBezTo>
+                  <a:cubicBezTo>
+                    <a:pt x="36" y="11"/>
+                    <a:pt x="29" y="4"/>
+                    <a:pt x="20" y="4"/>
+                  </a:cubicBezTo>
+                  <a:close/>
+                </a:path>
+              </a:pathLst>
+            </a:custGeom>
+            <a:solidFill>
+              <a:schemeClr val="tx2">
+                <a:alpha val="60000"/>
+              </a:schemeClr>
+            </a:solidFill>
+            <a:ln>
+              <a:noFill/>
+            </a:ln>
+            <a:effectLst>
+              <a:outerShdw blurRad="50800" dist="38100" dir="2700000" algn="tl" rotWithShape="0">
+                <a:srgbClr val="000000">
+                  <a:alpha val="58000"/>
+                </a:srgbClr>
+              </a:outerShdw>
+            </a:effectLst>
+          </p:spPr>
+        </p:sp>
+        <p:sp>
+          <p:nvSpPr>
+            <p:cNvPr id="34" name="Freeform 39">
+              <a:extLst>
+                <a:ext uri="{FF2B5EF4-FFF2-40B4-BE49-F238E27FC236}">
+                  <a16:creationId xmlns:a16="http://schemas.microsoft.com/office/drawing/2014/main" id="{C70A75E8-C815-4CCF-ABEE-83F19BFE0511}"/>
+                </a:ext>
+                <a:ext uri="{C183D7F6-B498-43B3-948B-1728B52AA6E4}">
+                  <adec:decorative xmlns:adec="http://schemas.microsoft.com/office/drawing/2017/decorative" val="1"/>
+                </a:ext>
+              </a:extLst>
+            </p:cNvPr>
+            <p:cNvSpPr/>
+            <p:nvPr>
+              <p:extLst>
+                <p:ext uri="{386F3935-93C4-4BCD-93E2-E3B085C9AB24}">
+                  <p16:designElem xmlns:p16="http://schemas.microsoft.com/office/powerpoint/2015/main" val="1"/>
+                </p:ext>
+              </p:extLst>
+            </p:nvPr>
+          </p:nvSpPr>
+          <p:spPr bwMode="auto">
+            <a:xfrm rot="16200000" flipH="1">
+              <a:off x="1532202" y="2305578"/>
+              <a:ext cx="307975" cy="1801813"/>
+            </a:xfrm>
+            <a:custGeom>
+              <a:avLst/>
+              <a:gdLst/>
+              <a:ahLst/>
+              <a:cxnLst/>
+              <a:rect l="0" t="0" r="r" b="b"/>
+              <a:pathLst>
+                <a:path w="194" h="1135">
+                  <a:moveTo>
+                    <a:pt x="18" y="1135"/>
+                  </a:moveTo>
+                  <a:lnTo>
+                    <a:pt x="0" y="1135"/>
+                  </a:lnTo>
+                  <a:lnTo>
+                    <a:pt x="0" y="354"/>
+                  </a:lnTo>
+                  <a:lnTo>
+                    <a:pt x="176" y="177"/>
+                  </a:lnTo>
+                  <a:lnTo>
+                    <a:pt x="176" y="0"/>
+                  </a:lnTo>
+                  <a:lnTo>
+                    <a:pt x="194" y="0"/>
+                  </a:lnTo>
+                  <a:lnTo>
+                    <a:pt x="194" y="183"/>
+                  </a:lnTo>
+                  <a:lnTo>
+                    <a:pt x="18" y="360"/>
+                  </a:lnTo>
+                  <a:lnTo>
+                    <a:pt x="18" y="1135"/>
+                  </a:lnTo>
+                  <a:close/>
+                </a:path>
+              </a:pathLst>
+            </a:custGeom>
+            <a:solidFill>
+              <a:schemeClr val="tx2">
+                <a:alpha val="60000"/>
+              </a:schemeClr>
+            </a:solidFill>
+            <a:ln>
+              <a:noFill/>
+            </a:ln>
+            <a:effectLst>
+              <a:outerShdw blurRad="50800" dist="38100" dir="2700000" algn="tl" rotWithShape="0">
+                <a:srgbClr val="000000">
+                  <a:alpha val="58000"/>
+                </a:srgbClr>
+              </a:outerShdw>
+            </a:effectLst>
+          </p:spPr>
+        </p:sp>
+        <p:sp>
+          <p:nvSpPr>
+            <p:cNvPr id="35" name="Freeform 40">
+              <a:extLst>
+                <a:ext uri="{FF2B5EF4-FFF2-40B4-BE49-F238E27FC236}">
+                  <a16:creationId xmlns:a16="http://schemas.microsoft.com/office/drawing/2014/main" id="{E15638E1-6A92-4D31-A034-853A65A754E9}"/>
+                </a:ext>
+                <a:ext uri="{C183D7F6-B498-43B3-948B-1728B52AA6E4}">
+                  <adec:decorative xmlns:adec="http://schemas.microsoft.com/office/drawing/2017/decorative" val="1"/>
+                </a:ext>
+              </a:extLst>
+            </p:cNvPr>
+            <p:cNvSpPr>
+              <a:spLocks noEditPoints="1"/>
+            </p:cNvSpPr>
+            <p:nvPr>
+              <p:extLst>
+                <p:ext uri="{386F3935-93C4-4BCD-93E2-E3B085C9AB24}">
+                  <p16:designElem xmlns:p16="http://schemas.microsoft.com/office/powerpoint/2015/main" val="1"/>
+                </p:ext>
+              </p:extLst>
+            </p:nvPr>
+          </p:nvSpPr>
+          <p:spPr bwMode="auto">
+            <a:xfrm rot="16200000" flipH="1">
+              <a:off x="2154501" y="3461278"/>
+              <a:ext cx="190500" cy="188913"/>
+            </a:xfrm>
+            <a:custGeom>
+              <a:avLst/>
+              <a:gdLst/>
+              <a:ahLst/>
+              <a:cxnLst/>
+              <a:rect l="0" t="0" r="r" b="b"/>
+              <a:pathLst>
+                <a:path w="40" h="40">
+                  <a:moveTo>
+                    <a:pt x="20" y="40"/>
+                  </a:moveTo>
+                  <a:cubicBezTo>
+                    <a:pt x="9" y="40"/>
+                    <a:pt x="0" y="31"/>
+                    <a:pt x="0" y="20"/>
+                  </a:cubicBezTo>
+                  <a:cubicBezTo>
+                    <a:pt x="0" y="9"/>
+                    <a:pt x="9" y="0"/>
+                    <a:pt x="20" y="0"/>
+                  </a:cubicBezTo>
+                  <a:cubicBezTo>
+                    <a:pt x="31" y="0"/>
+                    <a:pt x="40" y="9"/>
+                    <a:pt x="40" y="20"/>
+                  </a:cubicBezTo>
+                  <a:cubicBezTo>
+                    <a:pt x="40" y="31"/>
+                    <a:pt x="31" y="40"/>
+                    <a:pt x="20" y="40"/>
+                  </a:cubicBezTo>
+                  <a:close/>
+                  <a:moveTo>
+                    <a:pt x="20" y="4"/>
+                  </a:moveTo>
+                  <a:cubicBezTo>
+                    <a:pt x="12" y="4"/>
+                    <a:pt x="4" y="11"/>
+                    <a:pt x="4" y="20"/>
+                  </a:cubicBezTo>
+                  <a:cubicBezTo>
+                    <a:pt x="4" y="29"/>
+                    <a:pt x="12" y="36"/>
+                    <a:pt x="20" y="36"/>
+                  </a:cubicBezTo>
+                  <a:cubicBezTo>
+                    <a:pt x="29" y="36"/>
+                    <a:pt x="36" y="29"/>
+                    <a:pt x="36" y="20"/>
+                  </a:cubicBezTo>
+                  <a:cubicBezTo>
+                    <a:pt x="36" y="11"/>
+                    <a:pt x="29" y="4"/>
+                    <a:pt x="20" y="4"/>
+                  </a:cubicBezTo>
+                  <a:close/>
+                </a:path>
+              </a:pathLst>
+            </a:custGeom>
+            <a:solidFill>
+              <a:schemeClr val="tx2">
+                <a:alpha val="60000"/>
+              </a:schemeClr>
+            </a:solidFill>
+            <a:ln>
+              <a:noFill/>
+            </a:ln>
+            <a:effectLst>
+              <a:outerShdw blurRad="50800" dist="38100" dir="2700000" algn="tl" rotWithShape="0">
+                <a:srgbClr val="000000">
+                  <a:alpha val="58000"/>
+                </a:srgbClr>
+              </a:outerShdw>
+            </a:effectLst>
+          </p:spPr>
+        </p:sp>
+        <p:sp>
+          <p:nvSpPr>
+            <p:cNvPr id="36" name="Rectangle 41">
+              <a:extLst>
+                <a:ext uri="{FF2B5EF4-FFF2-40B4-BE49-F238E27FC236}">
+                  <a16:creationId xmlns:a16="http://schemas.microsoft.com/office/drawing/2014/main" id="{EA3E8D58-D52B-4300-8A50-5696430D1A65}"/>
+                </a:ext>
+                <a:ext uri="{C183D7F6-B498-43B3-948B-1728B52AA6E4}">
+                  <adec:decorative xmlns:adec="http://schemas.microsoft.com/office/drawing/2017/decorative" val="1"/>
+                </a:ext>
+              </a:extLst>
+            </p:cNvPr>
+            <p:cNvSpPr>
+              <a:spLocks noChangeArrowheads="1"/>
+            </p:cNvSpPr>
+            <p:nvPr>
+              <p:extLst>
+                <p:ext uri="{386F3935-93C4-4BCD-93E2-E3B085C9AB24}">
+                  <p16:designElem xmlns:p16="http://schemas.microsoft.com/office/powerpoint/2015/main" val="1"/>
+                </p:ext>
+              </p:extLst>
+            </p:nvPr>
+          </p:nvSpPr>
+          <p:spPr bwMode="auto">
+            <a:xfrm rot="16200000" flipH="1">
+              <a:off x="2448983" y="3436672"/>
+              <a:ext cx="23813" cy="252413"/>
+            </a:xfrm>
+            <a:prstGeom prst="rect">
+              <a:avLst/>
+            </a:prstGeom>
+            <a:solidFill>
+              <a:schemeClr val="tx2">
+                <a:alpha val="60000"/>
+              </a:schemeClr>
+            </a:solidFill>
+            <a:ln>
+              <a:noFill/>
+            </a:ln>
+            <a:effectLst>
+              <a:outerShdw blurRad="50800" dist="38100" dir="2700000" algn="tl" rotWithShape="0">
+                <a:srgbClr val="000000">
+                  <a:alpha val="58000"/>
+                </a:srgbClr>
+              </a:outerShdw>
+            </a:effectLst>
+          </p:spPr>
+        </p:sp>
+      </p:grpSp>
+      <p:sp>
+        <p:nvSpPr>
+          <p:cNvPr id="2" name="Title 1">
+            <a:extLst>
+              <a:ext uri="{FF2B5EF4-FFF2-40B4-BE49-F238E27FC236}">
+                <a16:creationId xmlns:a16="http://schemas.microsoft.com/office/drawing/2014/main" id="{01116D97-9767-4144-A59D-66CDFE93A948}"/>
+              </a:ext>
+            </a:extLst>
+          </p:cNvPr>
+          <p:cNvSpPr>
+            <a:spLocks noGrp="1"/>
+          </p:cNvSpPr>
+          <p:nvPr>
+            <p:ph type="ctrTitle"/>
+          </p:nvPr>
+        </p:nvSpPr>
+        <p:spPr>
+          <a:xfrm>
+            <a:off x="2667000" y="2328334"/>
+            <a:ext cx="6858000" cy="1367896"/>
+          </a:xfrm>
+        </p:spPr>
+        <p:txBody>
+          <a:bodyPr>
+            <a:normAutofit/>
+          </a:bodyPr>
+          <a:lstStyle/>
+          <a:p>
+            <a:pPr algn="ctr"/>
+            <a:r>
+              <a:rPr lang="en-US">
+                <a:solidFill>
+                  <a:srgbClr val="FFFFFF"/>
+                </a:solidFill>
+              </a:rPr>
+              <a:t>Thank you!</a:t>
+            </a:r>
+          </a:p>
+        </p:txBody>
+      </p:sp>
+      <p:sp>
+        <p:nvSpPr>
+          <p:cNvPr id="5" name="Subtitle 4">
+            <a:extLst>
+              <a:ext uri="{FF2B5EF4-FFF2-40B4-BE49-F238E27FC236}">
+                <a16:creationId xmlns:a16="http://schemas.microsoft.com/office/drawing/2014/main" id="{4E1E9E5A-258A-4AA9-9C6C-17E7EC28A1B3}"/>
+              </a:ext>
+            </a:extLst>
+          </p:cNvPr>
+          <p:cNvSpPr>
+            <a:spLocks noGrp="1"/>
+          </p:cNvSpPr>
+          <p:nvPr>
+            <p:ph type="subTitle" idx="1"/>
+          </p:nvPr>
+        </p:nvSpPr>
+        <p:spPr>
+          <a:xfrm>
+            <a:off x="2667001" y="3602038"/>
+            <a:ext cx="6857999" cy="953029"/>
+          </a:xfrm>
+        </p:spPr>
+        <p:txBody>
+          <a:bodyPr>
+            <a:normAutofit/>
+          </a:bodyPr>
+          <a:lstStyle/>
+          <a:p>
+            <a:pPr algn="ctr"/>
+            <a:endParaRPr lang="en-US">
+              <a:solidFill>
+                <a:schemeClr val="bg2"/>
+              </a:solidFill>
+            </a:endParaRPr>
+          </a:p>
+        </p:txBody>
+      </p:sp>
+    </p:spTree>
+    <p:extLst>
+      <p:ext uri="{BB962C8B-B14F-4D97-AF65-F5344CB8AC3E}">
+        <p14:creationId xmlns:p14="http://schemas.microsoft.com/office/powerpoint/2010/main" val="178166427"/>
+      </p:ext>
+    </p:extLst>
+  </p:cSld>
+  <p:clrMapOvr>
+    <a:overrideClrMapping bg1="lt1" tx1="dk1" bg2="lt2" tx2="dk2" accent1="accent1" accent2="accent2" accent3="accent3" accent4="accent4" accent5="accent5" accent6="accent6" hlink="hlink" folHlink="folHlink"/>
   </p:clrMapOvr>
 </p:sld>
 </file>

--- a/The Ultimate Blinkin Light.pptx
+++ b/The Ultimate Blinkin Light.pptx
@@ -5,44 +5,43 @@
     <p:sldMasterId id="2147483678" r:id="rId1"/>
   </p:sldMasterIdLst>
   <p:notesMasterIdLst>
-    <p:notesMasterId r:id="rId37"/>
+    <p:notesMasterId r:id="rId36"/>
   </p:notesMasterIdLst>
   <p:sldIdLst>
     <p:sldId id="256" r:id="rId2"/>
     <p:sldId id="257" r:id="rId3"/>
-    <p:sldId id="258" r:id="rId4"/>
-    <p:sldId id="259" r:id="rId5"/>
-    <p:sldId id="260" r:id="rId6"/>
-    <p:sldId id="267" r:id="rId7"/>
-    <p:sldId id="287" r:id="rId8"/>
-    <p:sldId id="261" r:id="rId9"/>
+    <p:sldId id="259" r:id="rId4"/>
+    <p:sldId id="260" r:id="rId5"/>
+    <p:sldId id="267" r:id="rId6"/>
+    <p:sldId id="287" r:id="rId7"/>
+    <p:sldId id="261" r:id="rId8"/>
+    <p:sldId id="265" r:id="rId9"/>
     <p:sldId id="288" r:id="rId10"/>
     <p:sldId id="268" r:id="rId11"/>
     <p:sldId id="262" r:id="rId12"/>
     <p:sldId id="263" r:id="rId13"/>
     <p:sldId id="275" r:id="rId14"/>
-    <p:sldId id="265" r:id="rId15"/>
-    <p:sldId id="285" r:id="rId16"/>
-    <p:sldId id="284" r:id="rId17"/>
-    <p:sldId id="286" r:id="rId18"/>
-    <p:sldId id="283" r:id="rId19"/>
-    <p:sldId id="289" r:id="rId20"/>
-    <p:sldId id="291" r:id="rId21"/>
-    <p:sldId id="276" r:id="rId22"/>
-    <p:sldId id="277" r:id="rId23"/>
-    <p:sldId id="278" r:id="rId24"/>
-    <p:sldId id="279" r:id="rId25"/>
-    <p:sldId id="280" r:id="rId26"/>
-    <p:sldId id="281" r:id="rId27"/>
-    <p:sldId id="292" r:id="rId28"/>
-    <p:sldId id="290" r:id="rId29"/>
-    <p:sldId id="293" r:id="rId30"/>
-    <p:sldId id="294" r:id="rId31"/>
-    <p:sldId id="295" r:id="rId32"/>
-    <p:sldId id="296" r:id="rId33"/>
-    <p:sldId id="298" r:id="rId34"/>
-    <p:sldId id="297" r:id="rId35"/>
-    <p:sldId id="299" r:id="rId36"/>
+    <p:sldId id="285" r:id="rId15"/>
+    <p:sldId id="284" r:id="rId16"/>
+    <p:sldId id="286" r:id="rId17"/>
+    <p:sldId id="283" r:id="rId18"/>
+    <p:sldId id="289" r:id="rId19"/>
+    <p:sldId id="291" r:id="rId20"/>
+    <p:sldId id="276" r:id="rId21"/>
+    <p:sldId id="277" r:id="rId22"/>
+    <p:sldId id="278" r:id="rId23"/>
+    <p:sldId id="279" r:id="rId24"/>
+    <p:sldId id="280" r:id="rId25"/>
+    <p:sldId id="281" r:id="rId26"/>
+    <p:sldId id="292" r:id="rId27"/>
+    <p:sldId id="290" r:id="rId28"/>
+    <p:sldId id="293" r:id="rId29"/>
+    <p:sldId id="294" r:id="rId30"/>
+    <p:sldId id="295" r:id="rId31"/>
+    <p:sldId id="296" r:id="rId32"/>
+    <p:sldId id="298" r:id="rId33"/>
+    <p:sldId id="297" r:id="rId34"/>
+    <p:sldId id="299" r:id="rId35"/>
   </p:sldIdLst>
   <p:sldSz cx="12192000" cy="6858000"/>
   <p:notesSz cx="6858000" cy="9144000"/>
@@ -3773,7 +3772,7 @@
           <a:p>
             <a:fld id="{14B92294-0834-44CF-8476-05CABBADC869}" type="datetimeFigureOut">
               <a:rPr lang="en-US" smtClean="0"/>
-              <a:t>5/21/2020</a:t>
+              <a:t>6/6/2020</a:t>
             </a:fld>
             <a:endParaRPr lang="en-US"/>
           </a:p>
@@ -4114,7 +4113,7 @@
           <a:p>
             <a:fld id="{6F7C3E71-58C6-4663-AB85-A0F436AFD0C1}" type="slidenum">
               <a:rPr lang="en-US" smtClean="0"/>
-              <a:t>29</a:t>
+              <a:t>28</a:t>
             </a:fld>
             <a:endParaRPr lang="en-US"/>
           </a:p>
@@ -8415,7 +8414,7 @@
           <a:p>
             <a:fld id="{2742C387-02E0-4745-93F3-3F71F0A605CC}" type="datetimeFigureOut">
               <a:rPr lang="en-US" smtClean="0"/>
-              <a:t>5/21/2020</a:t>
+              <a:t>6/6/2020</a:t>
             </a:fld>
             <a:endParaRPr lang="en-US"/>
           </a:p>
@@ -8682,7 +8681,7 @@
           <a:p>
             <a:fld id="{2742C387-02E0-4745-93F3-3F71F0A605CC}" type="datetimeFigureOut">
               <a:rPr lang="en-US" smtClean="0"/>
-              <a:t>5/21/2020</a:t>
+              <a:t>6/6/2020</a:t>
             </a:fld>
             <a:endParaRPr lang="en-US"/>
           </a:p>
@@ -8878,7 +8877,7 @@
           <a:p>
             <a:fld id="{2742C387-02E0-4745-93F3-3F71F0A605CC}" type="datetimeFigureOut">
               <a:rPr lang="en-US" smtClean="0"/>
-              <a:t>5/21/2020</a:t>
+              <a:t>6/6/2020</a:t>
             </a:fld>
             <a:endParaRPr lang="en-US"/>
           </a:p>
@@ -9141,7 +9140,7 @@
           <a:p>
             <a:fld id="{2742C387-02E0-4745-93F3-3F71F0A605CC}" type="datetimeFigureOut">
               <a:rPr lang="en-US" smtClean="0"/>
-              <a:t>5/21/2020</a:t>
+              <a:t>6/6/2020</a:t>
             </a:fld>
             <a:endParaRPr lang="en-US"/>
           </a:p>
@@ -9575,7 +9574,7 @@
           <a:p>
             <a:fld id="{2742C387-02E0-4745-93F3-3F71F0A605CC}" type="datetimeFigureOut">
               <a:rPr lang="en-US" smtClean="0"/>
-              <a:t>5/21/2020</a:t>
+              <a:t>6/6/2020</a:t>
             </a:fld>
             <a:endParaRPr lang="en-US"/>
           </a:p>
@@ -10121,7 +10120,7 @@
           <a:p>
             <a:fld id="{2742C387-02E0-4745-93F3-3F71F0A605CC}" type="datetimeFigureOut">
               <a:rPr lang="en-US" smtClean="0"/>
-              <a:t>5/21/2020</a:t>
+              <a:t>6/6/2020</a:t>
             </a:fld>
             <a:endParaRPr lang="en-US"/>
           </a:p>
@@ -10841,7 +10840,7 @@
           <a:p>
             <a:fld id="{2742C387-02E0-4745-93F3-3F71F0A605CC}" type="datetimeFigureOut">
               <a:rPr lang="en-US" smtClean="0"/>
-              <a:t>5/21/2020</a:t>
+              <a:t>6/6/2020</a:t>
             </a:fld>
             <a:endParaRPr lang="en-US"/>
           </a:p>
@@ -11011,7 +11010,7 @@
           <a:p>
             <a:fld id="{2742C387-02E0-4745-93F3-3F71F0A605CC}" type="datetimeFigureOut">
               <a:rPr lang="en-US" smtClean="0"/>
-              <a:t>5/21/2020</a:t>
+              <a:t>6/6/2020</a:t>
             </a:fld>
             <a:endParaRPr lang="en-US"/>
           </a:p>
@@ -11191,7 +11190,7 @@
           <a:p>
             <a:fld id="{2742C387-02E0-4745-93F3-3F71F0A605CC}" type="datetimeFigureOut">
               <a:rPr lang="en-US" smtClean="0"/>
-              <a:t>5/21/2020</a:t>
+              <a:t>6/6/2020</a:t>
             </a:fld>
             <a:endParaRPr lang="en-US"/>
           </a:p>
@@ -11361,7 +11360,7 @@
           <a:p>
             <a:fld id="{2742C387-02E0-4745-93F3-3F71F0A605CC}" type="datetimeFigureOut">
               <a:rPr lang="en-US" smtClean="0"/>
-              <a:t>5/21/2020</a:t>
+              <a:t>6/6/2020</a:t>
             </a:fld>
             <a:endParaRPr lang="en-US"/>
           </a:p>
@@ -11611,7 +11610,7 @@
           <a:p>
             <a:fld id="{2742C387-02E0-4745-93F3-3F71F0A605CC}" type="datetimeFigureOut">
               <a:rPr lang="en-US" smtClean="0"/>
-              <a:t>5/21/2020</a:t>
+              <a:t>6/6/2020</a:t>
             </a:fld>
             <a:endParaRPr lang="en-US"/>
           </a:p>
@@ -11843,7 +11842,7 @@
           <a:p>
             <a:fld id="{2742C387-02E0-4745-93F3-3F71F0A605CC}" type="datetimeFigureOut">
               <a:rPr lang="en-US" smtClean="0"/>
-              <a:t>5/21/2020</a:t>
+              <a:t>6/6/2020</a:t>
             </a:fld>
             <a:endParaRPr lang="en-US"/>
           </a:p>
@@ -12224,7 +12223,7 @@
           <a:p>
             <a:fld id="{2742C387-02E0-4745-93F3-3F71F0A605CC}" type="datetimeFigureOut">
               <a:rPr lang="en-US" smtClean="0"/>
-              <a:t>5/21/2020</a:t>
+              <a:t>6/6/2020</a:t>
             </a:fld>
             <a:endParaRPr lang="en-US"/>
           </a:p>
@@ -12342,7 +12341,7 @@
           <a:p>
             <a:fld id="{2742C387-02E0-4745-93F3-3F71F0A605CC}" type="datetimeFigureOut">
               <a:rPr lang="en-US" smtClean="0"/>
-              <a:t>5/21/2020</a:t>
+              <a:t>6/6/2020</a:t>
             </a:fld>
             <a:endParaRPr lang="en-US"/>
           </a:p>
@@ -12437,7 +12436,7 @@
           <a:p>
             <a:fld id="{2742C387-02E0-4745-93F3-3F71F0A605CC}" type="datetimeFigureOut">
               <a:rPr lang="en-US" smtClean="0"/>
-              <a:t>5/21/2020</a:t>
+              <a:t>6/6/2020</a:t>
             </a:fld>
             <a:endParaRPr lang="en-US"/>
           </a:p>
@@ -12686,7 +12685,7 @@
           <a:p>
             <a:fld id="{2742C387-02E0-4745-93F3-3F71F0A605CC}" type="datetimeFigureOut">
               <a:rPr lang="en-US" smtClean="0"/>
-              <a:t>5/21/2020</a:t>
+              <a:t>6/6/2020</a:t>
             </a:fld>
             <a:endParaRPr lang="en-US"/>
           </a:p>
@@ -12966,7 +12965,7 @@
           <a:p>
             <a:fld id="{2742C387-02E0-4745-93F3-3F71F0A605CC}" type="datetimeFigureOut">
               <a:rPr lang="en-US" smtClean="0"/>
-              <a:t>5/21/2020</a:t>
+              <a:t>6/6/2020</a:t>
             </a:fld>
             <a:endParaRPr lang="en-US"/>
           </a:p>
@@ -16033,7 +16032,7 @@
           <a:p>
             <a:fld id="{2742C387-02E0-4745-93F3-3F71F0A605CC}" type="datetimeFigureOut">
               <a:rPr lang="en-US" smtClean="0"/>
-              <a:t>5/21/2020</a:t>
+              <a:t>6/6/2020</a:t>
             </a:fld>
             <a:endParaRPr lang="en-US"/>
           </a:p>
@@ -17116,130 +17115,6 @@
 <file path=ppt/slides/slide14.xml><?xml version="1.0" encoding="utf-8"?>
 <p:sld xmlns:a="http://schemas.openxmlformats.org/drawingml/2006/main" xmlns:r="http://schemas.openxmlformats.org/officeDocument/2006/relationships" xmlns:p="http://schemas.openxmlformats.org/presentationml/2006/main">
   <p:cSld>
-    <p:spTree>
-      <p:nvGrpSpPr>
-        <p:cNvPr id="1" name=""/>
-        <p:cNvGrpSpPr/>
-        <p:nvPr/>
-      </p:nvGrpSpPr>
-      <p:grpSpPr>
-        <a:xfrm>
-          <a:off x="0" y="0"/>
-          <a:ext cx="0" cy="0"/>
-          <a:chOff x="0" y="0"/>
-          <a:chExt cx="0" cy="0"/>
-        </a:xfrm>
-      </p:grpSpPr>
-      <p:pic>
-        <p:nvPicPr>
-          <p:cNvPr id="5" name="Picture 4"/>
-          <p:cNvPicPr>
-            <a:picLocks noChangeAspect="1"/>
-          </p:cNvPicPr>
-          <p:nvPr/>
-        </p:nvPicPr>
-        <p:blipFill>
-          <a:blip r:embed="rId2"/>
-          <a:stretch>
-            <a:fillRect/>
-          </a:stretch>
-        </p:blipFill>
-        <p:spPr>
-          <a:xfrm>
-            <a:off x="873392" y="951722"/>
-            <a:ext cx="5139294" cy="4946570"/>
-          </a:xfrm>
-          <a:prstGeom prst="rect">
-            <a:avLst/>
-          </a:prstGeom>
-        </p:spPr>
-      </p:pic>
-      <p:sp>
-        <p:nvSpPr>
-          <p:cNvPr id="2" name="Title 1"/>
-          <p:cNvSpPr>
-            <a:spLocks noGrp="1"/>
-          </p:cNvSpPr>
-          <p:nvPr>
-            <p:ph type="title"/>
-          </p:nvPr>
-        </p:nvSpPr>
-        <p:spPr>
-          <a:xfrm>
-            <a:off x="6569957" y="618518"/>
-            <a:ext cx="4747088" cy="1478570"/>
-          </a:xfrm>
-        </p:spPr>
-        <p:txBody>
-          <a:bodyPr>
-            <a:normAutofit/>
-          </a:bodyPr>
-          <a:lstStyle/>
-          <a:p>
-            <a:r>
-              <a:rPr lang="en-US" dirty="0"/>
-              <a:t>The Breadboard</a:t>
-            </a:r>
-          </a:p>
-        </p:txBody>
-      </p:sp>
-      <p:sp>
-        <p:nvSpPr>
-          <p:cNvPr id="3" name="Content Placeholder 2"/>
-          <p:cNvSpPr>
-            <a:spLocks noGrp="1"/>
-          </p:cNvSpPr>
-          <p:nvPr>
-            <p:ph idx="1"/>
-          </p:nvPr>
-        </p:nvSpPr>
-        <p:spPr>
-          <a:xfrm>
-            <a:off x="6569957" y="2249487"/>
-            <a:ext cx="4747087" cy="3541714"/>
-          </a:xfrm>
-        </p:spPr>
-        <p:txBody>
-          <a:bodyPr>
-            <a:normAutofit/>
-          </a:bodyPr>
-          <a:lstStyle/>
-          <a:p>
-            <a:r>
-              <a:rPr lang="en-US" dirty="0"/>
-              <a:t>The power lines, 2 on each edge, run vertically</a:t>
-            </a:r>
-          </a:p>
-          <a:p>
-            <a:r>
-              <a:rPr lang="en-US" dirty="0"/>
-              <a:t>The prototyping lines run horizontally</a:t>
-            </a:r>
-          </a:p>
-          <a:p>
-            <a:r>
-              <a:rPr lang="en-US" dirty="0"/>
-              <a:t>No lines cross the center gap</a:t>
-            </a:r>
-          </a:p>
-        </p:txBody>
-      </p:sp>
-    </p:spTree>
-    <p:extLst>
-      <p:ext uri="{BB962C8B-B14F-4D97-AF65-F5344CB8AC3E}">
-        <p14:creationId xmlns:p14="http://schemas.microsoft.com/office/powerpoint/2010/main" val="2671499571"/>
-      </p:ext>
-    </p:extLst>
-  </p:cSld>
-  <p:clrMapOvr>
-    <a:masterClrMapping/>
-  </p:clrMapOvr>
-</p:sld>
-</file>
-
-<file path=ppt/slides/slide15.xml><?xml version="1.0" encoding="utf-8"?>
-<p:sld xmlns:a="http://schemas.openxmlformats.org/drawingml/2006/main" xmlns:r="http://schemas.openxmlformats.org/officeDocument/2006/relationships" xmlns:p="http://schemas.openxmlformats.org/presentationml/2006/main">
-  <p:cSld>
     <p:bg>
       <p:bgPr>
         <a:blipFill>
@@ -17435,7 +17310,7 @@
 </p:sld>
 </file>
 
-<file path=ppt/slides/slide16.xml><?xml version="1.0" encoding="utf-8"?>
+<file path=ppt/slides/slide15.xml><?xml version="1.0" encoding="utf-8"?>
 <p:sld xmlns:a="http://schemas.openxmlformats.org/drawingml/2006/main" xmlns:r="http://schemas.openxmlformats.org/officeDocument/2006/relationships" xmlns:p="http://schemas.openxmlformats.org/presentationml/2006/main">
   <p:cSld>
     <p:spTree>
@@ -17546,7 +17421,7 @@
 </p:sld>
 </file>
 
-<file path=ppt/slides/slide17.xml><?xml version="1.0" encoding="utf-8"?>
+<file path=ppt/slides/slide16.xml><?xml version="1.0" encoding="utf-8"?>
 <p:sld xmlns:a="http://schemas.openxmlformats.org/drawingml/2006/main" xmlns:r="http://schemas.openxmlformats.org/officeDocument/2006/relationships" xmlns:p="http://schemas.openxmlformats.org/presentationml/2006/main">
   <p:cSld>
     <p:spTree>
@@ -17658,7 +17533,7 @@
 </p:sld>
 </file>
 
-<file path=ppt/slides/slide18.xml><?xml version="1.0" encoding="utf-8"?>
+<file path=ppt/slides/slide17.xml><?xml version="1.0" encoding="utf-8"?>
 <p:sld xmlns:a="http://schemas.openxmlformats.org/drawingml/2006/main" xmlns:r="http://schemas.openxmlformats.org/officeDocument/2006/relationships" xmlns:p="http://schemas.openxmlformats.org/presentationml/2006/main">
   <p:cSld>
     <p:spTree>
@@ -17746,7 +17621,7 @@
 </p:sld>
 </file>
 
-<file path=ppt/slides/slide19.xml><?xml version="1.0" encoding="utf-8"?>
+<file path=ppt/slides/slide18.xml><?xml version="1.0" encoding="utf-8"?>
 <p:sld xmlns:a="http://schemas.openxmlformats.org/drawingml/2006/main" xmlns:r="http://schemas.openxmlformats.org/officeDocument/2006/relationships" xmlns:p="http://schemas.openxmlformats.org/presentationml/2006/main">
   <p:cSld>
     <p:bg>
@@ -21343,114 +21218,7 @@
 </p:sld>
 </file>
 
-<file path=ppt/slides/slide2.xml><?xml version="1.0" encoding="utf-8"?>
-<p:sld xmlns:a="http://schemas.openxmlformats.org/drawingml/2006/main" xmlns:r="http://schemas.openxmlformats.org/officeDocument/2006/relationships" xmlns:p="http://schemas.openxmlformats.org/presentationml/2006/main">
-  <p:cSld>
-    <p:spTree>
-      <p:nvGrpSpPr>
-        <p:cNvPr id="1" name=""/>
-        <p:cNvGrpSpPr/>
-        <p:nvPr/>
-      </p:nvGrpSpPr>
-      <p:grpSpPr>
-        <a:xfrm>
-          <a:off x="0" y="0"/>
-          <a:ext cx="0" cy="0"/>
-          <a:chOff x="0" y="0"/>
-          <a:chExt cx="0" cy="0"/>
-        </a:xfrm>
-      </p:grpSpPr>
-      <p:sp>
-        <p:nvSpPr>
-          <p:cNvPr id="2" name="Title 1">
-            <a:extLst>
-              <a:ext uri="{FF2B5EF4-FFF2-40B4-BE49-F238E27FC236}">
-                <a16:creationId xmlns:a16="http://schemas.microsoft.com/office/drawing/2014/main" id="{DAE4AD03-093C-4FEF-96F1-53DC6F0DB4D0}"/>
-              </a:ext>
-            </a:extLst>
-          </p:cNvPr>
-          <p:cNvSpPr>
-            <a:spLocks noGrp="1"/>
-          </p:cNvSpPr>
-          <p:nvPr>
-            <p:ph type="title"/>
-          </p:nvPr>
-        </p:nvSpPr>
-        <p:spPr/>
-        <p:txBody>
-          <a:bodyPr/>
-          <a:lstStyle/>
-          <a:p>
-            <a:r>
-              <a:rPr lang="en-US" dirty="0"/>
-              <a:t>Marcel Chabot</a:t>
-            </a:r>
-          </a:p>
-        </p:txBody>
-      </p:sp>
-      <p:sp>
-        <p:nvSpPr>
-          <p:cNvPr id="3" name="Content Placeholder 2">
-            <a:extLst>
-              <a:ext uri="{FF2B5EF4-FFF2-40B4-BE49-F238E27FC236}">
-                <a16:creationId xmlns:a16="http://schemas.microsoft.com/office/drawing/2014/main" id="{21460603-DE2A-4087-82CA-31DDE2B7D8D1}"/>
-              </a:ext>
-            </a:extLst>
-          </p:cNvPr>
-          <p:cNvSpPr>
-            <a:spLocks noGrp="1"/>
-          </p:cNvSpPr>
-          <p:nvPr>
-            <p:ph idx="1"/>
-          </p:nvPr>
-        </p:nvSpPr>
-        <p:spPr/>
-        <p:txBody>
-          <a:bodyPr/>
-          <a:lstStyle/>
-          <a:p>
-            <a:r>
-              <a:rPr lang="en-US" dirty="0"/>
-              <a:t>Software Development Lead</a:t>
-            </a:r>
-          </a:p>
-          <a:p>
-            <a:r>
-              <a:rPr lang="en-US" dirty="0"/>
-              <a:t>Maker</a:t>
-            </a:r>
-          </a:p>
-          <a:p>
-            <a:r>
-              <a:rPr lang="en-US" dirty="0"/>
-              <a:t>Not a teacher</a:t>
-            </a:r>
-          </a:p>
-          <a:p>
-            <a:r>
-              <a:rPr lang="en-US" dirty="0"/>
-              <a:t>I’m a total geek and I’m proud of it</a:t>
-            </a:r>
-          </a:p>
-          <a:p>
-            <a:endParaRPr lang="en-US" dirty="0"/>
-          </a:p>
-        </p:txBody>
-      </p:sp>
-    </p:spTree>
-    <p:extLst>
-      <p:ext uri="{BB962C8B-B14F-4D97-AF65-F5344CB8AC3E}">
-        <p14:creationId xmlns:p14="http://schemas.microsoft.com/office/powerpoint/2010/main" val="2591935580"/>
-      </p:ext>
-    </p:extLst>
-  </p:cSld>
-  <p:clrMapOvr>
-    <a:masterClrMapping/>
-  </p:clrMapOvr>
-</p:sld>
-</file>
-
-<file path=ppt/slides/slide20.xml><?xml version="1.0" encoding="utf-8"?>
+<file path=ppt/slides/slide19.xml><?xml version="1.0" encoding="utf-8"?>
 <p:sld xmlns:a="http://schemas.openxmlformats.org/drawingml/2006/main" xmlns:r="http://schemas.openxmlformats.org/officeDocument/2006/relationships" xmlns:p="http://schemas.openxmlformats.org/presentationml/2006/main">
   <p:cSld>
     <p:bg>
@@ -26539,7 +26307,114 @@
 </p:sld>
 </file>
 
-<file path=ppt/slides/slide21.xml><?xml version="1.0" encoding="utf-8"?>
+<file path=ppt/slides/slide2.xml><?xml version="1.0" encoding="utf-8"?>
+<p:sld xmlns:a="http://schemas.openxmlformats.org/drawingml/2006/main" xmlns:r="http://schemas.openxmlformats.org/officeDocument/2006/relationships" xmlns:p="http://schemas.openxmlformats.org/presentationml/2006/main">
+  <p:cSld>
+    <p:spTree>
+      <p:nvGrpSpPr>
+        <p:cNvPr id="1" name=""/>
+        <p:cNvGrpSpPr/>
+        <p:nvPr/>
+      </p:nvGrpSpPr>
+      <p:grpSpPr>
+        <a:xfrm>
+          <a:off x="0" y="0"/>
+          <a:ext cx="0" cy="0"/>
+          <a:chOff x="0" y="0"/>
+          <a:chExt cx="0" cy="0"/>
+        </a:xfrm>
+      </p:grpSpPr>
+      <p:sp>
+        <p:nvSpPr>
+          <p:cNvPr id="2" name="Title 1">
+            <a:extLst>
+              <a:ext uri="{FF2B5EF4-FFF2-40B4-BE49-F238E27FC236}">
+                <a16:creationId xmlns:a16="http://schemas.microsoft.com/office/drawing/2014/main" id="{DAE4AD03-093C-4FEF-96F1-53DC6F0DB4D0}"/>
+              </a:ext>
+            </a:extLst>
+          </p:cNvPr>
+          <p:cNvSpPr>
+            <a:spLocks noGrp="1"/>
+          </p:cNvSpPr>
+          <p:nvPr>
+            <p:ph type="title"/>
+          </p:nvPr>
+        </p:nvSpPr>
+        <p:spPr/>
+        <p:txBody>
+          <a:bodyPr/>
+          <a:lstStyle/>
+          <a:p>
+            <a:r>
+              <a:rPr lang="en-US" dirty="0"/>
+              <a:t>Marcel Chabot</a:t>
+            </a:r>
+          </a:p>
+        </p:txBody>
+      </p:sp>
+      <p:sp>
+        <p:nvSpPr>
+          <p:cNvPr id="3" name="Content Placeholder 2">
+            <a:extLst>
+              <a:ext uri="{FF2B5EF4-FFF2-40B4-BE49-F238E27FC236}">
+                <a16:creationId xmlns:a16="http://schemas.microsoft.com/office/drawing/2014/main" id="{21460603-DE2A-4087-82CA-31DDE2B7D8D1}"/>
+              </a:ext>
+            </a:extLst>
+          </p:cNvPr>
+          <p:cNvSpPr>
+            <a:spLocks noGrp="1"/>
+          </p:cNvSpPr>
+          <p:nvPr>
+            <p:ph idx="1"/>
+          </p:nvPr>
+        </p:nvSpPr>
+        <p:spPr/>
+        <p:txBody>
+          <a:bodyPr/>
+          <a:lstStyle/>
+          <a:p>
+            <a:r>
+              <a:rPr lang="en-US" dirty="0"/>
+              <a:t>Software Development Lead</a:t>
+            </a:r>
+          </a:p>
+          <a:p>
+            <a:r>
+              <a:rPr lang="en-US" dirty="0"/>
+              <a:t>Maker</a:t>
+            </a:r>
+          </a:p>
+          <a:p>
+            <a:r>
+              <a:rPr lang="en-US" dirty="0"/>
+              <a:t>Not a teacher</a:t>
+            </a:r>
+          </a:p>
+          <a:p>
+            <a:r>
+              <a:rPr lang="en-US" dirty="0"/>
+              <a:t>I’m a total geek and I’m proud of it</a:t>
+            </a:r>
+          </a:p>
+          <a:p>
+            <a:endParaRPr lang="en-US" dirty="0"/>
+          </a:p>
+        </p:txBody>
+      </p:sp>
+    </p:spTree>
+    <p:extLst>
+      <p:ext uri="{BB962C8B-B14F-4D97-AF65-F5344CB8AC3E}">
+        <p14:creationId xmlns:p14="http://schemas.microsoft.com/office/powerpoint/2010/main" val="2591935580"/>
+      </p:ext>
+    </p:extLst>
+  </p:cSld>
+  <p:clrMapOvr>
+    <a:masterClrMapping/>
+  </p:clrMapOvr>
+</p:sld>
+</file>
+
+<file path=ppt/slides/slide20.xml><?xml version="1.0" encoding="utf-8"?>
 <p:sld xmlns:a="http://schemas.openxmlformats.org/drawingml/2006/main" xmlns:r="http://schemas.openxmlformats.org/officeDocument/2006/relationships" xmlns:p="http://schemas.openxmlformats.org/presentationml/2006/main">
   <p:cSld>
     <p:spTree>
@@ -26684,7 +26559,7 @@
 </p:sld>
 </file>
 
-<file path=ppt/slides/slide22.xml><?xml version="1.0" encoding="utf-8"?>
+<file path=ppt/slides/slide21.xml><?xml version="1.0" encoding="utf-8"?>
 <p:sld xmlns:a="http://schemas.openxmlformats.org/drawingml/2006/main" xmlns:r="http://schemas.openxmlformats.org/officeDocument/2006/relationships" xmlns:p="http://schemas.openxmlformats.org/presentationml/2006/main">
   <p:cSld>
     <p:spTree>
@@ -26967,7 +26842,7 @@
 </p:sld>
 </file>
 
-<file path=ppt/slides/slide23.xml><?xml version="1.0" encoding="utf-8"?>
+<file path=ppt/slides/slide22.xml><?xml version="1.0" encoding="utf-8"?>
 <p:sld xmlns:a="http://schemas.openxmlformats.org/drawingml/2006/main" xmlns:r="http://schemas.openxmlformats.org/officeDocument/2006/relationships" xmlns:p="http://schemas.openxmlformats.org/presentationml/2006/main">
   <p:cSld>
     <p:spTree>
@@ -27099,7 +26974,7 @@
 </p:sld>
 </file>
 
-<file path=ppt/slides/slide24.xml><?xml version="1.0" encoding="utf-8"?>
+<file path=ppt/slides/slide23.xml><?xml version="1.0" encoding="utf-8"?>
 <p:sld xmlns:a="http://schemas.openxmlformats.org/drawingml/2006/main" xmlns:r="http://schemas.openxmlformats.org/officeDocument/2006/relationships" xmlns:p="http://schemas.openxmlformats.org/presentationml/2006/main">
   <p:cSld>
     <p:spTree>
@@ -27175,7 +27050,7 @@
 </p:sld>
 </file>
 
-<file path=ppt/slides/slide25.xml><?xml version="1.0" encoding="utf-8"?>
+<file path=ppt/slides/slide24.xml><?xml version="1.0" encoding="utf-8"?>
 <p:sld xmlns:a="http://schemas.openxmlformats.org/drawingml/2006/main" xmlns:r="http://schemas.openxmlformats.org/officeDocument/2006/relationships" xmlns:p="http://schemas.openxmlformats.org/presentationml/2006/main">
   <p:cSld>
     <p:spTree>
@@ -27275,7 +27150,7 @@
 </p:sld>
 </file>
 
-<file path=ppt/slides/slide26.xml><?xml version="1.0" encoding="utf-8"?>
+<file path=ppt/slides/slide25.xml><?xml version="1.0" encoding="utf-8"?>
 <p:sld xmlns:a="http://schemas.openxmlformats.org/drawingml/2006/main" xmlns:r="http://schemas.openxmlformats.org/officeDocument/2006/relationships" xmlns:p="http://schemas.openxmlformats.org/presentationml/2006/main">
   <p:cSld>
     <p:spTree>
@@ -27351,7 +27226,7 @@
 </p:sld>
 </file>
 
-<file path=ppt/slides/slide27.xml><?xml version="1.0" encoding="utf-8"?>
+<file path=ppt/slides/slide26.xml><?xml version="1.0" encoding="utf-8"?>
 <p:sld xmlns:a="http://schemas.openxmlformats.org/drawingml/2006/main" xmlns:r="http://schemas.openxmlformats.org/officeDocument/2006/relationships" xmlns:p="http://schemas.openxmlformats.org/presentationml/2006/main">
   <p:cSld>
     <p:spTree>
@@ -27439,7 +27314,7 @@
 </p:sld>
 </file>
 
-<file path=ppt/slides/slide28.xml><?xml version="1.0" encoding="utf-8"?>
+<file path=ppt/slides/slide27.xml><?xml version="1.0" encoding="utf-8"?>
 <p:sld xmlns:a="http://schemas.openxmlformats.org/drawingml/2006/main" xmlns:r="http://schemas.openxmlformats.org/officeDocument/2006/relationships" xmlns:p="http://schemas.openxmlformats.org/presentationml/2006/main">
   <p:cSld>
     <p:spTree>
@@ -27533,7 +27408,7 @@
 </p:sld>
 </file>
 
-<file path=ppt/slides/slide29.xml><?xml version="1.0" encoding="utf-8"?>
+<file path=ppt/slides/slide28.xml><?xml version="1.0" encoding="utf-8"?>
 <p:sld xmlns:a="http://schemas.openxmlformats.org/drawingml/2006/main" xmlns:r="http://schemas.openxmlformats.org/officeDocument/2006/relationships" xmlns:p="http://schemas.openxmlformats.org/presentationml/2006/main">
   <p:cSld>
     <p:bg>
@@ -34678,361 +34553,7 @@
 </p:sld>
 </file>
 
-<file path=ppt/slides/slide3.xml><?xml version="1.0" encoding="utf-8"?>
-<p:sld xmlns:a="http://schemas.openxmlformats.org/drawingml/2006/main" xmlns:r="http://schemas.openxmlformats.org/officeDocument/2006/relationships" xmlns:p="http://schemas.openxmlformats.org/presentationml/2006/main">
-  <p:cSld>
-    <p:spTree>
-      <p:nvGrpSpPr>
-        <p:cNvPr id="1" name=""/>
-        <p:cNvGrpSpPr/>
-        <p:nvPr/>
-      </p:nvGrpSpPr>
-      <p:grpSpPr>
-        <a:xfrm>
-          <a:off x="0" y="0"/>
-          <a:ext cx="0" cy="0"/>
-          <a:chOff x="0" y="0"/>
-          <a:chExt cx="0" cy="0"/>
-        </a:xfrm>
-      </p:grpSpPr>
-      <p:sp>
-        <p:nvSpPr>
-          <p:cNvPr id="2" name="Title 1">
-            <a:extLst>
-              <a:ext uri="{FF2B5EF4-FFF2-40B4-BE49-F238E27FC236}">
-                <a16:creationId xmlns:a16="http://schemas.microsoft.com/office/drawing/2014/main" id="{FEA8BD2D-E0E3-4615-996C-C490C08818CD}"/>
-              </a:ext>
-            </a:extLst>
-          </p:cNvPr>
-          <p:cNvSpPr>
-            <a:spLocks noGrp="1"/>
-          </p:cNvSpPr>
-          <p:nvPr>
-            <p:ph type="title"/>
-          </p:nvPr>
-        </p:nvSpPr>
-        <p:spPr/>
-        <p:txBody>
-          <a:bodyPr/>
-          <a:lstStyle/>
-          <a:p>
-            <a:r>
-              <a:rPr lang="en-US" dirty="0"/>
-              <a:t>First online Programming Class</a:t>
-            </a:r>
-          </a:p>
-        </p:txBody>
-      </p:sp>
-      <p:sp>
-        <p:nvSpPr>
-          <p:cNvPr id="3" name="Content Placeholder 2">
-            <a:extLst>
-              <a:ext uri="{FF2B5EF4-FFF2-40B4-BE49-F238E27FC236}">
-                <a16:creationId xmlns:a16="http://schemas.microsoft.com/office/drawing/2014/main" id="{85C4CB20-C380-49ED-9F31-8D0A29BC5481}"/>
-              </a:ext>
-            </a:extLst>
-          </p:cNvPr>
-          <p:cNvSpPr>
-            <a:spLocks noGrp="1"/>
-          </p:cNvSpPr>
-          <p:nvPr>
-            <p:ph idx="1"/>
-          </p:nvPr>
-        </p:nvSpPr>
-        <p:spPr/>
-        <p:txBody>
-          <a:bodyPr/>
-          <a:lstStyle/>
-          <a:p>
-            <a:endParaRPr lang="en-US"/>
-          </a:p>
-        </p:txBody>
-      </p:sp>
-      <p:pic>
-        <p:nvPicPr>
-          <p:cNvPr id="4" name="Picture 6">
-            <a:extLst>
-              <a:ext uri="{FF2B5EF4-FFF2-40B4-BE49-F238E27FC236}">
-                <a16:creationId xmlns:a16="http://schemas.microsoft.com/office/drawing/2014/main" id="{77562A27-E85E-48AA-B1D9-2B98549B0ABB}"/>
-              </a:ext>
-            </a:extLst>
-          </p:cNvPr>
-          <p:cNvPicPr>
-            <a:picLocks noChangeAspect="1"/>
-          </p:cNvPicPr>
-          <p:nvPr/>
-        </p:nvPicPr>
-        <p:blipFill>
-          <a:blip r:embed="rId2"/>
-          <a:stretch>
-            <a:fillRect/>
-          </a:stretch>
-        </p:blipFill>
-        <p:spPr>
-          <a:xfrm>
-            <a:off x="1141411" y="2435834"/>
-            <a:ext cx="4689234" cy="3176956"/>
-          </a:xfrm>
-          <a:prstGeom prst="round2DiagRect">
-            <a:avLst>
-              <a:gd name="adj1" fmla="val 5608"/>
-              <a:gd name="adj2" fmla="val 0"/>
-            </a:avLst>
-          </a:prstGeom>
-          <a:ln w="19050" cap="sq">
-            <a:solidFill>
-              <a:schemeClr val="tx2">
-                <a:lumMod val="60000"/>
-                <a:lumOff val="40000"/>
-                <a:alpha val="60000"/>
-              </a:schemeClr>
-            </a:solidFill>
-            <a:miter lim="800000"/>
-          </a:ln>
-          <a:effectLst>
-            <a:outerShdw blurRad="88900" dist="38100" dir="5400000" algn="t" rotWithShape="0">
-              <a:prstClr val="black">
-                <a:alpha val="40000"/>
-              </a:prstClr>
-            </a:outerShdw>
-          </a:effectLst>
-        </p:spPr>
-      </p:pic>
-      <p:sp>
-        <p:nvSpPr>
-          <p:cNvPr id="5" name="Content Placeholder 5">
-            <a:extLst>
-              <a:ext uri="{FF2B5EF4-FFF2-40B4-BE49-F238E27FC236}">
-                <a16:creationId xmlns:a16="http://schemas.microsoft.com/office/drawing/2014/main" id="{BEE58004-0E5E-4A3F-8E04-4ADD49AAF1E0}"/>
-              </a:ext>
-            </a:extLst>
-          </p:cNvPr>
-          <p:cNvSpPr txBox="1">
-            <a:spLocks/>
-          </p:cNvSpPr>
-          <p:nvPr/>
-        </p:nvSpPr>
-        <p:spPr>
-          <a:xfrm>
-            <a:off x="6336727" y="2249487"/>
-            <a:ext cx="4710683" cy="3541714"/>
-          </a:xfrm>
-          <a:prstGeom prst="rect">
-            <a:avLst/>
-          </a:prstGeom>
-        </p:spPr>
-        <p:txBody>
-          <a:bodyPr vert="horz" lIns="91440" tIns="45720" rIns="91440" bIns="45720" rtlCol="0">
-            <a:normAutofit/>
-          </a:bodyPr>
-          <a:lstStyle>
-            <a:lvl1pPr marL="228600" indent="-228600" algn="l" defTabSz="914400" rtl="0" eaLnBrk="1" latinLnBrk="0" hangingPunct="1">
-              <a:lnSpc>
-                <a:spcPct val="120000"/>
-              </a:lnSpc>
-              <a:spcBef>
-                <a:spcPts val="1000"/>
-              </a:spcBef>
-              <a:buSzPct val="125000"/>
-              <a:buFont typeface="Arial" panose="020B0604020202020204" pitchFamily="34" charset="0"/>
-              <a:buChar char="•"/>
-              <a:defRPr sz="2400" kern="1200">
-                <a:solidFill>
-                  <a:schemeClr val="tx1"/>
-                </a:solidFill>
-                <a:latin typeface="+mn-lt"/>
-                <a:ea typeface="+mn-ea"/>
-                <a:cs typeface="+mn-cs"/>
-              </a:defRPr>
-            </a:lvl1pPr>
-            <a:lvl2pPr marL="685800" indent="-228600" algn="l" defTabSz="914400" rtl="0" eaLnBrk="1" latinLnBrk="0" hangingPunct="1">
-              <a:lnSpc>
-                <a:spcPct val="120000"/>
-              </a:lnSpc>
-              <a:spcBef>
-                <a:spcPts val="500"/>
-              </a:spcBef>
-              <a:buSzPct val="125000"/>
-              <a:buFont typeface="Arial" panose="020B0604020202020204" pitchFamily="34" charset="0"/>
-              <a:buChar char="•"/>
-              <a:defRPr sz="2000" kern="1200">
-                <a:solidFill>
-                  <a:schemeClr val="tx1"/>
-                </a:solidFill>
-                <a:latin typeface="+mn-lt"/>
-                <a:ea typeface="+mn-ea"/>
-                <a:cs typeface="+mn-cs"/>
-              </a:defRPr>
-            </a:lvl2pPr>
-            <a:lvl3pPr marL="1143000" indent="-228600" algn="l" defTabSz="914400" rtl="0" eaLnBrk="1" latinLnBrk="0" hangingPunct="1">
-              <a:lnSpc>
-                <a:spcPct val="120000"/>
-              </a:lnSpc>
-              <a:spcBef>
-                <a:spcPts val="500"/>
-              </a:spcBef>
-              <a:buSzPct val="125000"/>
-              <a:buFont typeface="Arial" panose="020B0604020202020204" pitchFamily="34" charset="0"/>
-              <a:buChar char="•"/>
-              <a:defRPr sz="1800" kern="1200">
-                <a:solidFill>
-                  <a:schemeClr val="tx1"/>
-                </a:solidFill>
-                <a:latin typeface="+mn-lt"/>
-                <a:ea typeface="+mn-ea"/>
-                <a:cs typeface="+mn-cs"/>
-              </a:defRPr>
-            </a:lvl3pPr>
-            <a:lvl4pPr marL="1600200" indent="-228600" algn="l" defTabSz="914400" rtl="0" eaLnBrk="1" latinLnBrk="0" hangingPunct="1">
-              <a:lnSpc>
-                <a:spcPct val="120000"/>
-              </a:lnSpc>
-              <a:spcBef>
-                <a:spcPts val="500"/>
-              </a:spcBef>
-              <a:buSzPct val="125000"/>
-              <a:buFont typeface="Arial" panose="020B0604020202020204" pitchFamily="34" charset="0"/>
-              <a:buChar char="•"/>
-              <a:defRPr sz="1600" kern="1200">
-                <a:solidFill>
-                  <a:schemeClr val="tx1"/>
-                </a:solidFill>
-                <a:latin typeface="+mn-lt"/>
-                <a:ea typeface="+mn-ea"/>
-                <a:cs typeface="+mn-cs"/>
-              </a:defRPr>
-            </a:lvl4pPr>
-            <a:lvl5pPr marL="2057400" indent="-228600" algn="l" defTabSz="914400" rtl="0" eaLnBrk="1" latinLnBrk="0" hangingPunct="1">
-              <a:lnSpc>
-                <a:spcPct val="120000"/>
-              </a:lnSpc>
-              <a:spcBef>
-                <a:spcPts val="500"/>
-              </a:spcBef>
-              <a:buSzPct val="125000"/>
-              <a:buFont typeface="Arial" panose="020B0604020202020204" pitchFamily="34" charset="0"/>
-              <a:buChar char="•"/>
-              <a:defRPr sz="1600" kern="1200">
-                <a:solidFill>
-                  <a:schemeClr val="tx1"/>
-                </a:solidFill>
-                <a:latin typeface="+mn-lt"/>
-                <a:ea typeface="+mn-ea"/>
-                <a:cs typeface="+mn-cs"/>
-              </a:defRPr>
-            </a:lvl5pPr>
-            <a:lvl6pPr marL="2514600" indent="-228600" algn="l" defTabSz="914400" rtl="0" eaLnBrk="1" latinLnBrk="0" hangingPunct="1">
-              <a:lnSpc>
-                <a:spcPct val="120000"/>
-              </a:lnSpc>
-              <a:spcBef>
-                <a:spcPts val="500"/>
-              </a:spcBef>
-              <a:buSzPct val="125000"/>
-              <a:buFont typeface="Arial" panose="020B0604020202020204" pitchFamily="34" charset="0"/>
-              <a:buChar char="•"/>
-              <a:defRPr sz="1400" kern="1200">
-                <a:solidFill>
-                  <a:schemeClr val="tx1"/>
-                </a:solidFill>
-                <a:latin typeface="+mn-lt"/>
-                <a:ea typeface="+mn-ea"/>
-                <a:cs typeface="+mn-cs"/>
-              </a:defRPr>
-            </a:lvl6pPr>
-            <a:lvl7pPr marL="2971800" indent="-228600" algn="l" defTabSz="914400" rtl="0" eaLnBrk="1" latinLnBrk="0" hangingPunct="1">
-              <a:lnSpc>
-                <a:spcPct val="120000"/>
-              </a:lnSpc>
-              <a:spcBef>
-                <a:spcPts val="500"/>
-              </a:spcBef>
-              <a:buSzPct val="125000"/>
-              <a:buFont typeface="Arial" panose="020B0604020202020204" pitchFamily="34" charset="0"/>
-              <a:buChar char="•"/>
-              <a:defRPr sz="1400" kern="1200">
-                <a:solidFill>
-                  <a:schemeClr val="tx1"/>
-                </a:solidFill>
-                <a:latin typeface="+mn-lt"/>
-                <a:ea typeface="+mn-ea"/>
-                <a:cs typeface="+mn-cs"/>
-              </a:defRPr>
-            </a:lvl7pPr>
-            <a:lvl8pPr marL="3429000" indent="-228600" algn="l" defTabSz="914400" rtl="0" eaLnBrk="1" latinLnBrk="0" hangingPunct="1">
-              <a:lnSpc>
-                <a:spcPct val="120000"/>
-              </a:lnSpc>
-              <a:spcBef>
-                <a:spcPts val="500"/>
-              </a:spcBef>
-              <a:buSzPct val="125000"/>
-              <a:buFont typeface="Arial" panose="020B0604020202020204" pitchFamily="34" charset="0"/>
-              <a:buChar char="•"/>
-              <a:defRPr sz="1400" kern="1200">
-                <a:solidFill>
-                  <a:schemeClr val="tx1"/>
-                </a:solidFill>
-                <a:latin typeface="+mn-lt"/>
-                <a:ea typeface="+mn-ea"/>
-                <a:cs typeface="+mn-cs"/>
-              </a:defRPr>
-            </a:lvl8pPr>
-            <a:lvl9pPr marL="3886200" indent="-228600" algn="l" defTabSz="914400" rtl="0" eaLnBrk="1" latinLnBrk="0" hangingPunct="1">
-              <a:lnSpc>
-                <a:spcPct val="120000"/>
-              </a:lnSpc>
-              <a:spcBef>
-                <a:spcPts val="500"/>
-              </a:spcBef>
-              <a:buSzPct val="125000"/>
-              <a:buFont typeface="Arial" panose="020B0604020202020204" pitchFamily="34" charset="0"/>
-              <a:buChar char="•"/>
-              <a:defRPr sz="1400" kern="1200">
-                <a:solidFill>
-                  <a:schemeClr val="tx1"/>
-                </a:solidFill>
-                <a:latin typeface="+mn-lt"/>
-                <a:ea typeface="+mn-ea"/>
-                <a:cs typeface="+mn-cs"/>
-              </a:defRPr>
-            </a:lvl9pPr>
-          </a:lstStyle>
-          <a:p>
-            <a:r>
-              <a:rPr lang="en-US"/>
-              <a:t>Yes, you are guinea pigs.</a:t>
-            </a:r>
-          </a:p>
-          <a:p>
-            <a:r>
-              <a:rPr lang="en-US"/>
-              <a:t>Please let me know if things are going too fast/slow.</a:t>
-            </a:r>
-          </a:p>
-          <a:p>
-            <a:r>
-              <a:rPr lang="en-US"/>
-              <a:t>Greatly appreciate your feed back at the end of class.</a:t>
-            </a:r>
-            <a:endParaRPr lang="en-US" dirty="0"/>
-          </a:p>
-        </p:txBody>
-      </p:sp>
-    </p:spTree>
-    <p:extLst>
-      <p:ext uri="{BB962C8B-B14F-4D97-AF65-F5344CB8AC3E}">
-        <p14:creationId xmlns:p14="http://schemas.microsoft.com/office/powerpoint/2010/main" val="2903770166"/>
-      </p:ext>
-    </p:extLst>
-  </p:cSld>
-  <p:clrMapOvr>
-    <a:masterClrMapping/>
-  </p:clrMapOvr>
-</p:sld>
-</file>
-
-<file path=ppt/slides/slide30.xml><?xml version="1.0" encoding="utf-8"?>
+<file path=ppt/slides/slide29.xml><?xml version="1.0" encoding="utf-8"?>
 <p:sld xmlns:a="http://schemas.openxmlformats.org/drawingml/2006/main" xmlns:r="http://schemas.openxmlformats.org/officeDocument/2006/relationships" xmlns:p="http://schemas.openxmlformats.org/presentationml/2006/main">
   <p:cSld>
     <p:spTree>
@@ -35117,7 +34638,7 @@
             </a:r>
             <a:r>
               <a:rPr lang="en-US" dirty="0" err="1"/>
-              <a:t>IoTWebConfig</a:t>
+              <a:t>IoTWebConf</a:t>
             </a:r>
             <a:endParaRPr lang="en-US" dirty="0"/>
           </a:p>
@@ -35127,12 +34648,12 @@
               <a:t>Install the </a:t>
             </a:r>
             <a:r>
-              <a:rPr lang="en-US" dirty="0" err="1"/>
-              <a:t>IoTWebConfig</a:t>
+              <a:rPr lang="en-US"/>
+              <a:t>IoTWebConf </a:t>
             </a:r>
             <a:r>
               <a:rPr lang="en-US" dirty="0"/>
-              <a:t> library</a:t>
+              <a:t>library</a:t>
             </a:r>
           </a:p>
         </p:txBody>
@@ -35150,7 +34671,117 @@
 </p:sld>
 </file>
 
-<file path=ppt/slides/slide31.xml><?xml version="1.0" encoding="utf-8"?>
+<file path=ppt/slides/slide3.xml><?xml version="1.0" encoding="utf-8"?>
+<p:sld xmlns:a="http://schemas.openxmlformats.org/drawingml/2006/main" xmlns:r="http://schemas.openxmlformats.org/officeDocument/2006/relationships" xmlns:p="http://schemas.openxmlformats.org/presentationml/2006/main">
+  <p:cSld>
+    <p:spTree>
+      <p:nvGrpSpPr>
+        <p:cNvPr id="1" name=""/>
+        <p:cNvGrpSpPr/>
+        <p:nvPr/>
+      </p:nvGrpSpPr>
+      <p:grpSpPr>
+        <a:xfrm>
+          <a:off x="0" y="0"/>
+          <a:ext cx="0" cy="0"/>
+          <a:chOff x="0" y="0"/>
+          <a:chExt cx="0" cy="0"/>
+        </a:xfrm>
+      </p:grpSpPr>
+      <p:sp>
+        <p:nvSpPr>
+          <p:cNvPr id="2" name="Title 1">
+            <a:extLst>
+              <a:ext uri="{FF2B5EF4-FFF2-40B4-BE49-F238E27FC236}">
+                <a16:creationId xmlns:a16="http://schemas.microsoft.com/office/drawing/2014/main" id="{92C8E133-5EE0-43BD-B12B-7170777333D1}"/>
+              </a:ext>
+            </a:extLst>
+          </p:cNvPr>
+          <p:cNvSpPr>
+            <a:spLocks noGrp="1"/>
+          </p:cNvSpPr>
+          <p:nvPr>
+            <p:ph type="title"/>
+          </p:nvPr>
+        </p:nvSpPr>
+        <p:spPr/>
+        <p:txBody>
+          <a:bodyPr/>
+          <a:lstStyle/>
+          <a:p>
+            <a:r>
+              <a:rPr lang="en-US" dirty="0"/>
+              <a:t>Class Outline</a:t>
+            </a:r>
+          </a:p>
+        </p:txBody>
+      </p:sp>
+      <p:sp>
+        <p:nvSpPr>
+          <p:cNvPr id="3" name="Content Placeholder 2">
+            <a:extLst>
+              <a:ext uri="{FF2B5EF4-FFF2-40B4-BE49-F238E27FC236}">
+                <a16:creationId xmlns:a16="http://schemas.microsoft.com/office/drawing/2014/main" id="{87F65294-609C-4B9F-94B1-2F2A0590E602}"/>
+              </a:ext>
+            </a:extLst>
+          </p:cNvPr>
+          <p:cNvSpPr>
+            <a:spLocks noGrp="1"/>
+          </p:cNvSpPr>
+          <p:nvPr>
+            <p:ph idx="1"/>
+          </p:nvPr>
+        </p:nvSpPr>
+        <p:spPr/>
+        <p:txBody>
+          <a:bodyPr/>
+          <a:lstStyle/>
+          <a:p>
+            <a:r>
+              <a:rPr lang="en-US" dirty="0"/>
+              <a:t>Arduino Installation</a:t>
+            </a:r>
+          </a:p>
+          <a:p>
+            <a:r>
+              <a:rPr lang="en-US" dirty="0"/>
+              <a:t>Hardware Overview</a:t>
+            </a:r>
+          </a:p>
+          <a:p>
+            <a:r>
+              <a:rPr lang="en-US" dirty="0"/>
+              <a:t>Circuit Building</a:t>
+            </a:r>
+          </a:p>
+          <a:p>
+            <a:r>
+              <a:rPr lang="en-US" dirty="0"/>
+              <a:t>Code</a:t>
+            </a:r>
+          </a:p>
+          <a:p>
+            <a:r>
+              <a:rPr lang="en-US" dirty="0"/>
+              <a:t>Debug</a:t>
+            </a:r>
+          </a:p>
+        </p:txBody>
+      </p:sp>
+    </p:spTree>
+    <p:extLst>
+      <p:ext uri="{BB962C8B-B14F-4D97-AF65-F5344CB8AC3E}">
+        <p14:creationId xmlns:p14="http://schemas.microsoft.com/office/powerpoint/2010/main" val="2160162556"/>
+      </p:ext>
+    </p:extLst>
+  </p:cSld>
+  <p:clrMapOvr>
+    <a:masterClrMapping/>
+  </p:clrMapOvr>
+</p:sld>
+</file>
+
+<file path=ppt/slides/slide30.xml><?xml version="1.0" encoding="utf-8"?>
 <p:sld xmlns:a="http://schemas.openxmlformats.org/drawingml/2006/main" xmlns:r="http://schemas.openxmlformats.org/officeDocument/2006/relationships" xmlns:p="http://schemas.openxmlformats.org/presentationml/2006/main">
   <p:cSld>
     <p:spTree>
@@ -35290,7 +34921,7 @@
 </p:sld>
 </file>
 
-<file path=ppt/slides/slide32.xml><?xml version="1.0" encoding="utf-8"?>
+<file path=ppt/slides/slide31.xml><?xml version="1.0" encoding="utf-8"?>
 <p:sld xmlns:a="http://schemas.openxmlformats.org/drawingml/2006/main" xmlns:r="http://schemas.openxmlformats.org/officeDocument/2006/relationships" xmlns:p="http://schemas.openxmlformats.org/presentationml/2006/main">
   <p:cSld>
     <p:spTree>
@@ -35399,7 +35030,7 @@
 </p:sld>
 </file>
 
-<file path=ppt/slides/slide33.xml><?xml version="1.0" encoding="utf-8"?>
+<file path=ppt/slides/slide32.xml><?xml version="1.0" encoding="utf-8"?>
 <p:sld xmlns:a="http://schemas.openxmlformats.org/drawingml/2006/main" xmlns:r="http://schemas.openxmlformats.org/officeDocument/2006/relationships" xmlns:p="http://schemas.openxmlformats.org/presentationml/2006/main">
   <p:cSld>
     <p:spTree>
@@ -35502,7 +35133,7 @@
 </p:sld>
 </file>
 
-<file path=ppt/slides/slide34.xml><?xml version="1.0" encoding="utf-8"?>
+<file path=ppt/slides/slide33.xml><?xml version="1.0" encoding="utf-8"?>
 <p:sld xmlns:a="http://schemas.openxmlformats.org/drawingml/2006/main" xmlns:r="http://schemas.openxmlformats.org/officeDocument/2006/relationships" xmlns:p="http://schemas.openxmlformats.org/presentationml/2006/main">
   <p:cSld>
     <p:spTree>
@@ -35645,7 +35276,7 @@
 </p:sld>
 </file>
 
-<file path=ppt/slides/slide35.xml><?xml version="1.0" encoding="utf-8"?>
+<file path=ppt/slides/slide34.xml><?xml version="1.0" encoding="utf-8"?>
 <p:sld xmlns:a="http://schemas.openxmlformats.org/drawingml/2006/main" xmlns:r="http://schemas.openxmlformats.org/officeDocument/2006/relationships" xmlns:p="http://schemas.openxmlformats.org/presentationml/2006/main">
   <p:cSld>
     <p:bg>
@@ -37895,116 +37526,6 @@
           <p:cNvPr id="2" name="Title 1">
             <a:extLst>
               <a:ext uri="{FF2B5EF4-FFF2-40B4-BE49-F238E27FC236}">
-                <a16:creationId xmlns:a16="http://schemas.microsoft.com/office/drawing/2014/main" id="{92C8E133-5EE0-43BD-B12B-7170777333D1}"/>
-              </a:ext>
-            </a:extLst>
-          </p:cNvPr>
-          <p:cNvSpPr>
-            <a:spLocks noGrp="1"/>
-          </p:cNvSpPr>
-          <p:nvPr>
-            <p:ph type="title"/>
-          </p:nvPr>
-        </p:nvSpPr>
-        <p:spPr/>
-        <p:txBody>
-          <a:bodyPr/>
-          <a:lstStyle/>
-          <a:p>
-            <a:r>
-              <a:rPr lang="en-US" dirty="0"/>
-              <a:t>Class Outline</a:t>
-            </a:r>
-          </a:p>
-        </p:txBody>
-      </p:sp>
-      <p:sp>
-        <p:nvSpPr>
-          <p:cNvPr id="3" name="Content Placeholder 2">
-            <a:extLst>
-              <a:ext uri="{FF2B5EF4-FFF2-40B4-BE49-F238E27FC236}">
-                <a16:creationId xmlns:a16="http://schemas.microsoft.com/office/drawing/2014/main" id="{87F65294-609C-4B9F-94B1-2F2A0590E602}"/>
-              </a:ext>
-            </a:extLst>
-          </p:cNvPr>
-          <p:cNvSpPr>
-            <a:spLocks noGrp="1"/>
-          </p:cNvSpPr>
-          <p:nvPr>
-            <p:ph idx="1"/>
-          </p:nvPr>
-        </p:nvSpPr>
-        <p:spPr/>
-        <p:txBody>
-          <a:bodyPr/>
-          <a:lstStyle/>
-          <a:p>
-            <a:r>
-              <a:rPr lang="en-US" dirty="0"/>
-              <a:t>Arduino Installation</a:t>
-            </a:r>
-          </a:p>
-          <a:p>
-            <a:r>
-              <a:rPr lang="en-US" dirty="0"/>
-              <a:t>Hardware Overview</a:t>
-            </a:r>
-          </a:p>
-          <a:p>
-            <a:r>
-              <a:rPr lang="en-US" dirty="0"/>
-              <a:t>Circuit Building</a:t>
-            </a:r>
-          </a:p>
-          <a:p>
-            <a:r>
-              <a:rPr lang="en-US" dirty="0"/>
-              <a:t>Code</a:t>
-            </a:r>
-          </a:p>
-          <a:p>
-            <a:r>
-              <a:rPr lang="en-US" dirty="0"/>
-              <a:t>Debug</a:t>
-            </a:r>
-          </a:p>
-        </p:txBody>
-      </p:sp>
-    </p:spTree>
-    <p:extLst>
-      <p:ext uri="{BB962C8B-B14F-4D97-AF65-F5344CB8AC3E}">
-        <p14:creationId xmlns:p14="http://schemas.microsoft.com/office/powerpoint/2010/main" val="2160162556"/>
-      </p:ext>
-    </p:extLst>
-  </p:cSld>
-  <p:clrMapOvr>
-    <a:masterClrMapping/>
-  </p:clrMapOvr>
-</p:sld>
-</file>
-
-<file path=ppt/slides/slide5.xml><?xml version="1.0" encoding="utf-8"?>
-<p:sld xmlns:a="http://schemas.openxmlformats.org/drawingml/2006/main" xmlns:r="http://schemas.openxmlformats.org/officeDocument/2006/relationships" xmlns:p="http://schemas.openxmlformats.org/presentationml/2006/main">
-  <p:cSld>
-    <p:spTree>
-      <p:nvGrpSpPr>
-        <p:cNvPr id="1" name=""/>
-        <p:cNvGrpSpPr/>
-        <p:nvPr/>
-      </p:nvGrpSpPr>
-      <p:grpSpPr>
-        <a:xfrm>
-          <a:off x="0" y="0"/>
-          <a:ext cx="0" cy="0"/>
-          <a:chOff x="0" y="0"/>
-          <a:chExt cx="0" cy="0"/>
-        </a:xfrm>
-      </p:grpSpPr>
-      <p:sp>
-        <p:nvSpPr>
-          <p:cNvPr id="2" name="Title 1">
-            <a:extLst>
-              <a:ext uri="{FF2B5EF4-FFF2-40B4-BE49-F238E27FC236}">
                 <a16:creationId xmlns:a16="http://schemas.microsoft.com/office/drawing/2014/main" id="{A7EC9454-55D0-4FBB-A477-D49B2858392D}"/>
               </a:ext>
             </a:extLst>
@@ -38106,7 +37627,7 @@
 </p:sld>
 </file>
 
-<file path=ppt/slides/slide6.xml><?xml version="1.0" encoding="utf-8"?>
+<file path=ppt/slides/slide5.xml><?xml version="1.0" encoding="utf-8"?>
 <p:sld xmlns:a="http://schemas.openxmlformats.org/drawingml/2006/main" xmlns:r="http://schemas.openxmlformats.org/officeDocument/2006/relationships" xmlns:p="http://schemas.openxmlformats.org/presentationml/2006/main">
   <p:cSld>
     <p:spTree>
@@ -38248,7 +37769,7 @@
 </p:sld>
 </file>
 
-<file path=ppt/slides/slide7.xml><?xml version="1.0" encoding="utf-8"?>
+<file path=ppt/slides/slide6.xml><?xml version="1.0" encoding="utf-8"?>
 <p:sld xmlns:a="http://schemas.openxmlformats.org/drawingml/2006/main" xmlns:r="http://schemas.openxmlformats.org/officeDocument/2006/relationships" xmlns:p="http://schemas.openxmlformats.org/presentationml/2006/main">
   <p:cSld>
     <p:spTree>
@@ -38376,7 +37897,7 @@
 </p:sld>
 </file>
 
-<file path=ppt/slides/slide8.xml><?xml version="1.0" encoding="utf-8"?>
+<file path=ppt/slides/slide7.xml><?xml version="1.0" encoding="utf-8"?>
 <p:sld xmlns:a="http://schemas.openxmlformats.org/drawingml/2006/main" xmlns:r="http://schemas.openxmlformats.org/officeDocument/2006/relationships" xmlns:p="http://schemas.openxmlformats.org/presentationml/2006/main">
   <p:cSld>
     <p:spTree>
@@ -38700,6 +38221,130 @@
     <p:extLst>
       <p:ext uri="{BB962C8B-B14F-4D97-AF65-F5344CB8AC3E}">
         <p14:creationId xmlns:p14="http://schemas.microsoft.com/office/powerpoint/2010/main" val="919406652"/>
+      </p:ext>
+    </p:extLst>
+  </p:cSld>
+  <p:clrMapOvr>
+    <a:masterClrMapping/>
+  </p:clrMapOvr>
+</p:sld>
+</file>
+
+<file path=ppt/slides/slide8.xml><?xml version="1.0" encoding="utf-8"?>
+<p:sld xmlns:a="http://schemas.openxmlformats.org/drawingml/2006/main" xmlns:r="http://schemas.openxmlformats.org/officeDocument/2006/relationships" xmlns:p="http://schemas.openxmlformats.org/presentationml/2006/main">
+  <p:cSld>
+    <p:spTree>
+      <p:nvGrpSpPr>
+        <p:cNvPr id="1" name=""/>
+        <p:cNvGrpSpPr/>
+        <p:nvPr/>
+      </p:nvGrpSpPr>
+      <p:grpSpPr>
+        <a:xfrm>
+          <a:off x="0" y="0"/>
+          <a:ext cx="0" cy="0"/>
+          <a:chOff x="0" y="0"/>
+          <a:chExt cx="0" cy="0"/>
+        </a:xfrm>
+      </p:grpSpPr>
+      <p:pic>
+        <p:nvPicPr>
+          <p:cNvPr id="5" name="Picture 4"/>
+          <p:cNvPicPr>
+            <a:picLocks noChangeAspect="1"/>
+          </p:cNvPicPr>
+          <p:nvPr/>
+        </p:nvPicPr>
+        <p:blipFill>
+          <a:blip r:embed="rId2"/>
+          <a:stretch>
+            <a:fillRect/>
+          </a:stretch>
+        </p:blipFill>
+        <p:spPr>
+          <a:xfrm>
+            <a:off x="873392" y="951722"/>
+            <a:ext cx="5139294" cy="4946570"/>
+          </a:xfrm>
+          <a:prstGeom prst="rect">
+            <a:avLst/>
+          </a:prstGeom>
+        </p:spPr>
+      </p:pic>
+      <p:sp>
+        <p:nvSpPr>
+          <p:cNvPr id="2" name="Title 1"/>
+          <p:cNvSpPr>
+            <a:spLocks noGrp="1"/>
+          </p:cNvSpPr>
+          <p:nvPr>
+            <p:ph type="title"/>
+          </p:nvPr>
+        </p:nvSpPr>
+        <p:spPr>
+          <a:xfrm>
+            <a:off x="6569957" y="618518"/>
+            <a:ext cx="4747088" cy="1478570"/>
+          </a:xfrm>
+        </p:spPr>
+        <p:txBody>
+          <a:bodyPr>
+            <a:normAutofit/>
+          </a:bodyPr>
+          <a:lstStyle/>
+          <a:p>
+            <a:r>
+              <a:rPr lang="en-US" dirty="0"/>
+              <a:t>The Breadboard</a:t>
+            </a:r>
+          </a:p>
+        </p:txBody>
+      </p:sp>
+      <p:sp>
+        <p:nvSpPr>
+          <p:cNvPr id="3" name="Content Placeholder 2"/>
+          <p:cNvSpPr>
+            <a:spLocks noGrp="1"/>
+          </p:cNvSpPr>
+          <p:nvPr>
+            <p:ph idx="1"/>
+          </p:nvPr>
+        </p:nvSpPr>
+        <p:spPr>
+          <a:xfrm>
+            <a:off x="6569957" y="2249487"/>
+            <a:ext cx="4747087" cy="3541714"/>
+          </a:xfrm>
+        </p:spPr>
+        <p:txBody>
+          <a:bodyPr>
+            <a:normAutofit/>
+          </a:bodyPr>
+          <a:lstStyle/>
+          <a:p>
+            <a:r>
+              <a:rPr lang="en-US" dirty="0"/>
+              <a:t>The power lines, 2 on each edge, run vertically</a:t>
+            </a:r>
+          </a:p>
+          <a:p>
+            <a:r>
+              <a:rPr lang="en-US" dirty="0"/>
+              <a:t>The prototyping lines run horizontally</a:t>
+            </a:r>
+          </a:p>
+          <a:p>
+            <a:r>
+              <a:rPr lang="en-US" dirty="0"/>
+              <a:t>No lines cross the center gap</a:t>
+            </a:r>
+          </a:p>
+        </p:txBody>
+      </p:sp>
+    </p:spTree>
+    <p:extLst>
+      <p:ext uri="{BB962C8B-B14F-4D97-AF65-F5344CB8AC3E}">
+        <p14:creationId xmlns:p14="http://schemas.microsoft.com/office/powerpoint/2010/main" val="2671499571"/>
       </p:ext>
     </p:extLst>
   </p:cSld>
